--- a/chapter_06/figures/optuna_parameters_importance_gradient_boosting_catboost.pptx
+++ b/chapter_06/figures/optuna_parameters_importance_gradient_boosting_catboost.pptx
@@ -115,8 +115,7 @@
 <file path=ppt/revisionInfo.xml><?xml version="1.0" encoding="utf-8"?>
 <p1510:revInfo xmlns:a="http://schemas.openxmlformats.org/drawingml/2006/main" xmlns:r="http://schemas.openxmlformats.org/officeDocument/2006/relationships" xmlns:p1510="http://schemas.microsoft.com/office/powerpoint/2015/10/main">
   <p1510:revLst>
-    <p1510:client id="{19698738-8B30-4641-92DF-503FDCF97601}" v="52" dt="2025-07-03T12:06:33.727"/>
-    <p1510:client id="{2F1B825C-ADF6-458B-BD90-C6378241C558}" v="29" dt="2025-07-03T15:51:47.028"/>
+    <p1510:client id="{1209B8F8-F314-41D8-8401-8444EED944DA}" v="10" dt="2025-07-04T19:41:54.645"/>
   </p1510:revLst>
 </p1510:revInfo>
 </file>
@@ -5508,8 +5507,8 @@
   </pc:docChgLst>
   <pc:docChgLst>
     <pc:chgData name="Fatima Pillosu" userId="a6295d4dc9e22643" providerId="LiveId" clId="{1209B8F8-F314-41D8-8401-8444EED944DA}"/>
-    <pc:docChg chg="delSld modSld">
-      <pc:chgData name="Fatima Pillosu" userId="a6295d4dc9e22643" providerId="LiveId" clId="{1209B8F8-F314-41D8-8401-8444EED944DA}" dt="2025-07-03T15:57:12.401" v="4" actId="1036"/>
+    <pc:docChg chg="undo custSel delSld modSld modMainMaster">
+      <pc:chgData name="Fatima Pillosu" userId="a6295d4dc9e22643" providerId="LiveId" clId="{1209B8F8-F314-41D8-8401-8444EED944DA}" dt="2025-07-04T19:43:58.618" v="138" actId="20577"/>
       <pc:docMkLst>
         <pc:docMk/>
       </pc:docMkLst>
@@ -5520,20 +5519,476 @@
           <pc:sldMk cId="1077421182" sldId="256"/>
         </pc:sldMkLst>
       </pc:sldChg>
-      <pc:sldChg chg="modSp mod">
-        <pc:chgData name="Fatima Pillosu" userId="a6295d4dc9e22643" providerId="LiveId" clId="{1209B8F8-F314-41D8-8401-8444EED944DA}" dt="2025-07-03T15:57:12.401" v="4" actId="1036"/>
+      <pc:sldChg chg="addSp delSp modSp mod">
+        <pc:chgData name="Fatima Pillosu" userId="a6295d4dc9e22643" providerId="LiveId" clId="{1209B8F8-F314-41D8-8401-8444EED944DA}" dt="2025-07-04T19:43:58.618" v="138" actId="20577"/>
         <pc:sldMkLst>
           <pc:docMk/>
           <pc:sldMk cId="1450572231" sldId="257"/>
         </pc:sldMkLst>
-        <pc:spChg chg="mod">
-          <ac:chgData name="Fatima Pillosu" userId="a6295d4dc9e22643" providerId="LiveId" clId="{1209B8F8-F314-41D8-8401-8444EED944DA}" dt="2025-07-03T15:57:12.401" v="4" actId="1036"/>
+        <pc:spChg chg="add mod">
+          <ac:chgData name="Fatima Pillosu" userId="a6295d4dc9e22643" providerId="LiveId" clId="{1209B8F8-F314-41D8-8401-8444EED944DA}" dt="2025-07-04T19:40:24.854" v="62"/>
+          <ac:spMkLst>
+            <pc:docMk/>
+            <pc:sldMk cId="1450572231" sldId="257"/>
+            <ac:spMk id="7" creationId="{F7F1F9C9-E2D2-6AE6-3C89-6B8358BEEA62}"/>
+          </ac:spMkLst>
+        </pc:spChg>
+        <pc:spChg chg="add mod">
+          <ac:chgData name="Fatima Pillosu" userId="a6295d4dc9e22643" providerId="LiveId" clId="{1209B8F8-F314-41D8-8401-8444EED944DA}" dt="2025-07-04T19:40:24.854" v="62"/>
+          <ac:spMkLst>
+            <pc:docMk/>
+            <pc:sldMk cId="1450572231" sldId="257"/>
+            <ac:spMk id="9" creationId="{4533FAC0-EDAD-06C6-87CE-44DAAE65CFF3}"/>
+          </ac:spMkLst>
+        </pc:spChg>
+        <pc:spChg chg="add mod">
+          <ac:chgData name="Fatima Pillosu" userId="a6295d4dc9e22643" providerId="LiveId" clId="{1209B8F8-F314-41D8-8401-8444EED944DA}" dt="2025-07-04T19:40:24.854" v="62"/>
+          <ac:spMkLst>
+            <pc:docMk/>
+            <pc:sldMk cId="1450572231" sldId="257"/>
+            <ac:spMk id="10" creationId="{B75A755A-5943-9720-F515-175C37CE2E59}"/>
+          </ac:spMkLst>
+        </pc:spChg>
+        <pc:spChg chg="add mod">
+          <ac:chgData name="Fatima Pillosu" userId="a6295d4dc9e22643" providerId="LiveId" clId="{1209B8F8-F314-41D8-8401-8444EED944DA}" dt="2025-07-04T19:40:24.854" v="62"/>
+          <ac:spMkLst>
+            <pc:docMk/>
+            <pc:sldMk cId="1450572231" sldId="257"/>
+            <ac:spMk id="12" creationId="{C9CF8016-6F1C-F02D-2994-7214F0A6AD34}"/>
+          </ac:spMkLst>
+        </pc:spChg>
+        <pc:spChg chg="add mod">
+          <ac:chgData name="Fatima Pillosu" userId="a6295d4dc9e22643" providerId="LiveId" clId="{1209B8F8-F314-41D8-8401-8444EED944DA}" dt="2025-07-04T19:40:24.854" v="62"/>
+          <ac:spMkLst>
+            <pc:docMk/>
+            <pc:sldMk cId="1450572231" sldId="257"/>
+            <ac:spMk id="14" creationId="{C9D0CE68-4F80-F77B-7148-2AC162402946}"/>
+          </ac:spMkLst>
+        </pc:spChg>
+        <pc:spChg chg="add mod">
+          <ac:chgData name="Fatima Pillosu" userId="a6295d4dc9e22643" providerId="LiveId" clId="{1209B8F8-F314-41D8-8401-8444EED944DA}" dt="2025-07-04T19:40:24.854" v="62"/>
+          <ac:spMkLst>
+            <pc:docMk/>
+            <pc:sldMk cId="1450572231" sldId="257"/>
+            <ac:spMk id="15" creationId="{5530377D-F032-3044-78DB-25CFEE51062F}"/>
+          </ac:spMkLst>
+        </pc:spChg>
+        <pc:spChg chg="add mod">
+          <ac:chgData name="Fatima Pillosu" userId="a6295d4dc9e22643" providerId="LiveId" clId="{1209B8F8-F314-41D8-8401-8444EED944DA}" dt="2025-07-04T19:40:24.854" v="62"/>
+          <ac:spMkLst>
+            <pc:docMk/>
+            <pc:sldMk cId="1450572231" sldId="257"/>
+            <ac:spMk id="16" creationId="{64859B6C-FD4D-B421-C000-74A47E8F7ECF}"/>
+          </ac:spMkLst>
+        </pc:spChg>
+        <pc:spChg chg="add mod">
+          <ac:chgData name="Fatima Pillosu" userId="a6295d4dc9e22643" providerId="LiveId" clId="{1209B8F8-F314-41D8-8401-8444EED944DA}" dt="2025-07-04T19:40:24.854" v="62"/>
+          <ac:spMkLst>
+            <pc:docMk/>
+            <pc:sldMk cId="1450572231" sldId="257"/>
+            <ac:spMk id="17" creationId="{BD8B3FF9-141E-C2AE-89B6-07EEE95C2792}"/>
+          </ac:spMkLst>
+        </pc:spChg>
+        <pc:spChg chg="add mod">
+          <ac:chgData name="Fatima Pillosu" userId="a6295d4dc9e22643" providerId="LiveId" clId="{1209B8F8-F314-41D8-8401-8444EED944DA}" dt="2025-07-04T19:40:24.854" v="62"/>
+          <ac:spMkLst>
+            <pc:docMk/>
+            <pc:sldMk cId="1450572231" sldId="257"/>
+            <ac:spMk id="18" creationId="{626AEBA3-DAC3-360D-44CC-85AC6C155FDD}"/>
+          </ac:spMkLst>
+        </pc:spChg>
+        <pc:spChg chg="add mod">
+          <ac:chgData name="Fatima Pillosu" userId="a6295d4dc9e22643" providerId="LiveId" clId="{1209B8F8-F314-41D8-8401-8444EED944DA}" dt="2025-07-04T19:40:24.854" v="62"/>
+          <ac:spMkLst>
+            <pc:docMk/>
+            <pc:sldMk cId="1450572231" sldId="257"/>
+            <ac:spMk id="22" creationId="{084E0BEC-D769-D579-5961-60BA5AEA98C3}"/>
+          </ac:spMkLst>
+        </pc:spChg>
+        <pc:spChg chg="add mod">
+          <ac:chgData name="Fatima Pillosu" userId="a6295d4dc9e22643" providerId="LiveId" clId="{1209B8F8-F314-41D8-8401-8444EED944DA}" dt="2025-07-04T19:40:24.854" v="62"/>
+          <ac:spMkLst>
+            <pc:docMk/>
+            <pc:sldMk cId="1450572231" sldId="257"/>
+            <ac:spMk id="23" creationId="{DE12A742-B080-DD41-B8DC-EDD35B4DD9B1}"/>
+          </ac:spMkLst>
+        </pc:spChg>
+        <pc:spChg chg="add del mod">
+          <ac:chgData name="Fatima Pillosu" userId="a6295d4dc9e22643" providerId="LiveId" clId="{1209B8F8-F314-41D8-8401-8444EED944DA}" dt="2025-07-04T19:40:38.586" v="65" actId="21"/>
           <ac:spMkLst>
             <pc:docMk/>
             <pc:sldMk cId="1450572231" sldId="257"/>
             <ac:spMk id="24" creationId="{7CA80247-944D-A79D-DD75-278A2FC157C4}"/>
           </ac:spMkLst>
         </pc:spChg>
+        <pc:spChg chg="add del">
+          <ac:chgData name="Fatima Pillosu" userId="a6295d4dc9e22643" providerId="LiveId" clId="{1209B8F8-F314-41D8-8401-8444EED944DA}" dt="2025-07-04T19:40:38.586" v="65" actId="21"/>
+          <ac:spMkLst>
+            <pc:docMk/>
+            <pc:sldMk cId="1450572231" sldId="257"/>
+            <ac:spMk id="25" creationId="{11D0BEA8-4C97-735F-B454-B20FE6FD6664}"/>
+          </ac:spMkLst>
+        </pc:spChg>
+        <pc:spChg chg="add del">
+          <ac:chgData name="Fatima Pillosu" userId="a6295d4dc9e22643" providerId="LiveId" clId="{1209B8F8-F314-41D8-8401-8444EED944DA}" dt="2025-07-04T19:40:38.586" v="65" actId="21"/>
+          <ac:spMkLst>
+            <pc:docMk/>
+            <pc:sldMk cId="1450572231" sldId="257"/>
+            <ac:spMk id="26" creationId="{C958D7B8-BC29-7508-F405-77D6128B8AFF}"/>
+          </ac:spMkLst>
+        </pc:spChg>
+        <pc:spChg chg="add del">
+          <ac:chgData name="Fatima Pillosu" userId="a6295d4dc9e22643" providerId="LiveId" clId="{1209B8F8-F314-41D8-8401-8444EED944DA}" dt="2025-07-04T19:40:38.586" v="65" actId="21"/>
+          <ac:spMkLst>
+            <pc:docMk/>
+            <pc:sldMk cId="1450572231" sldId="257"/>
+            <ac:spMk id="31" creationId="{204795FA-B9E8-F8C0-D0CC-0DA8FCD26B47}"/>
+          </ac:spMkLst>
+        </pc:spChg>
+        <pc:spChg chg="add del">
+          <ac:chgData name="Fatima Pillosu" userId="a6295d4dc9e22643" providerId="LiveId" clId="{1209B8F8-F314-41D8-8401-8444EED944DA}" dt="2025-07-04T19:40:38.586" v="65" actId="21"/>
+          <ac:spMkLst>
+            <pc:docMk/>
+            <pc:sldMk cId="1450572231" sldId="257"/>
+            <ac:spMk id="32" creationId="{AEF58A4C-D7E5-1DB7-8CBA-638A2D2BAD88}"/>
+          </ac:spMkLst>
+        </pc:spChg>
+        <pc:spChg chg="add del mod">
+          <ac:chgData name="Fatima Pillosu" userId="a6295d4dc9e22643" providerId="LiveId" clId="{1209B8F8-F314-41D8-8401-8444EED944DA}" dt="2025-07-04T19:41:47.546" v="67" actId="478"/>
+          <ac:spMkLst>
+            <pc:docMk/>
+            <pc:sldMk cId="1450572231" sldId="257"/>
+            <ac:spMk id="33" creationId="{7CA80247-944D-A79D-DD75-278A2FC157C4}"/>
+          </ac:spMkLst>
+        </pc:spChg>
+        <pc:spChg chg="add del mod">
+          <ac:chgData name="Fatima Pillosu" userId="a6295d4dc9e22643" providerId="LiveId" clId="{1209B8F8-F314-41D8-8401-8444EED944DA}" dt="2025-07-04T19:41:48.898" v="68" actId="478"/>
+          <ac:spMkLst>
+            <pc:docMk/>
+            <pc:sldMk cId="1450572231" sldId="257"/>
+            <ac:spMk id="34" creationId="{11D0BEA8-4C97-735F-B454-B20FE6FD6664}"/>
+          </ac:spMkLst>
+        </pc:spChg>
+        <pc:spChg chg="add del mod">
+          <ac:chgData name="Fatima Pillosu" userId="a6295d4dc9e22643" providerId="LiveId" clId="{1209B8F8-F314-41D8-8401-8444EED944DA}" dt="2025-07-04T19:41:48.898" v="68" actId="478"/>
+          <ac:spMkLst>
+            <pc:docMk/>
+            <pc:sldMk cId="1450572231" sldId="257"/>
+            <ac:spMk id="35" creationId="{C958D7B8-BC29-7508-F405-77D6128B8AFF}"/>
+          </ac:spMkLst>
+        </pc:spChg>
+        <pc:spChg chg="add del mod">
+          <ac:chgData name="Fatima Pillosu" userId="a6295d4dc9e22643" providerId="LiveId" clId="{1209B8F8-F314-41D8-8401-8444EED944DA}" dt="2025-07-04T19:41:47.546" v="67" actId="478"/>
+          <ac:spMkLst>
+            <pc:docMk/>
+            <pc:sldMk cId="1450572231" sldId="257"/>
+            <ac:spMk id="36" creationId="{204795FA-B9E8-F8C0-D0CC-0DA8FCD26B47}"/>
+          </ac:spMkLst>
+        </pc:spChg>
+        <pc:spChg chg="add del mod">
+          <ac:chgData name="Fatima Pillosu" userId="a6295d4dc9e22643" providerId="LiveId" clId="{1209B8F8-F314-41D8-8401-8444EED944DA}" dt="2025-07-04T19:41:47.546" v="67" actId="478"/>
+          <ac:spMkLst>
+            <pc:docMk/>
+            <pc:sldMk cId="1450572231" sldId="257"/>
+            <ac:spMk id="37" creationId="{AEF58A4C-D7E5-1DB7-8CBA-638A2D2BAD88}"/>
+          </ac:spMkLst>
+        </pc:spChg>
+        <pc:spChg chg="add mod">
+          <ac:chgData name="Fatima Pillosu" userId="a6295d4dc9e22643" providerId="LiveId" clId="{1209B8F8-F314-41D8-8401-8444EED944DA}" dt="2025-07-04T19:43:58.618" v="138" actId="20577"/>
+          <ac:spMkLst>
+            <pc:docMk/>
+            <pc:sldMk cId="1450572231" sldId="257"/>
+            <ac:spMk id="42" creationId="{2F5B885A-C345-270A-F20E-1AA23A903308}"/>
+          </ac:spMkLst>
+        </pc:spChg>
+        <pc:spChg chg="add mod">
+          <ac:chgData name="Fatima Pillosu" userId="a6295d4dc9e22643" providerId="LiveId" clId="{1209B8F8-F314-41D8-8401-8444EED944DA}" dt="2025-07-04T19:41:54.645" v="69"/>
+          <ac:spMkLst>
+            <pc:docMk/>
+            <pc:sldMk cId="1450572231" sldId="257"/>
+            <ac:spMk id="43" creationId="{8F5F0DFA-1AFB-5FEF-6ABD-DC6BDFC51B54}"/>
+          </ac:spMkLst>
+        </pc:spChg>
+        <pc:spChg chg="add mod">
+          <ac:chgData name="Fatima Pillosu" userId="a6295d4dc9e22643" providerId="LiveId" clId="{1209B8F8-F314-41D8-8401-8444EED944DA}" dt="2025-07-04T19:41:54.645" v="69"/>
+          <ac:spMkLst>
+            <pc:docMk/>
+            <pc:sldMk cId="1450572231" sldId="257"/>
+            <ac:spMk id="44" creationId="{13455798-58E5-A3DE-9371-C9F5DFA69D31}"/>
+          </ac:spMkLst>
+        </pc:spChg>
+        <pc:spChg chg="add mod">
+          <ac:chgData name="Fatima Pillosu" userId="a6295d4dc9e22643" providerId="LiveId" clId="{1209B8F8-F314-41D8-8401-8444EED944DA}" dt="2025-07-04T19:41:54.645" v="69"/>
+          <ac:spMkLst>
+            <pc:docMk/>
+            <pc:sldMk cId="1450572231" sldId="257"/>
+            <ac:spMk id="45" creationId="{C822A771-7CA0-F566-95A6-EA3DB1DF1587}"/>
+          </ac:spMkLst>
+        </pc:spChg>
+        <pc:spChg chg="add mod">
+          <ac:chgData name="Fatima Pillosu" userId="a6295d4dc9e22643" providerId="LiveId" clId="{1209B8F8-F314-41D8-8401-8444EED944DA}" dt="2025-07-04T19:43:30.321" v="108" actId="1037"/>
+          <ac:spMkLst>
+            <pc:docMk/>
+            <pc:sldMk cId="1450572231" sldId="257"/>
+            <ac:spMk id="46" creationId="{0A838BE3-B713-DDFB-CD2C-49644DE673CD}"/>
+          </ac:spMkLst>
+        </pc:spChg>
+        <pc:spChg chg="add mod">
+          <ac:chgData name="Fatima Pillosu" userId="a6295d4dc9e22643" providerId="LiveId" clId="{1209B8F8-F314-41D8-8401-8444EED944DA}" dt="2025-07-04T19:41:54.645" v="69"/>
+          <ac:spMkLst>
+            <pc:docMk/>
+            <pc:sldMk cId="1450572231" sldId="257"/>
+            <ac:spMk id="47" creationId="{54017177-BE4B-0FAD-3095-8F81469BE093}"/>
+          </ac:spMkLst>
+        </pc:spChg>
+        <pc:spChg chg="add mod">
+          <ac:chgData name="Fatima Pillosu" userId="a6295d4dc9e22643" providerId="LiveId" clId="{1209B8F8-F314-41D8-8401-8444EED944DA}" dt="2025-07-04T19:41:54.645" v="69"/>
+          <ac:spMkLst>
+            <pc:docMk/>
+            <pc:sldMk cId="1450572231" sldId="257"/>
+            <ac:spMk id="48" creationId="{DC975A8E-7469-1DEA-3441-85EE26627C93}"/>
+          </ac:spMkLst>
+        </pc:spChg>
+        <pc:spChg chg="add mod">
+          <ac:chgData name="Fatima Pillosu" userId="a6295d4dc9e22643" providerId="LiveId" clId="{1209B8F8-F314-41D8-8401-8444EED944DA}" dt="2025-07-04T19:41:54.645" v="69"/>
+          <ac:spMkLst>
+            <pc:docMk/>
+            <pc:sldMk cId="1450572231" sldId="257"/>
+            <ac:spMk id="49" creationId="{4C385EBD-7E9B-B862-59F8-2D7FC2F46AA6}"/>
+          </ac:spMkLst>
+        </pc:spChg>
+        <pc:spChg chg="add mod">
+          <ac:chgData name="Fatima Pillosu" userId="a6295d4dc9e22643" providerId="LiveId" clId="{1209B8F8-F314-41D8-8401-8444EED944DA}" dt="2025-07-04T19:41:54.645" v="69"/>
+          <ac:spMkLst>
+            <pc:docMk/>
+            <pc:sldMk cId="1450572231" sldId="257"/>
+            <ac:spMk id="50" creationId="{DD921147-6EFB-DBAF-5772-5BE2C52994BE}"/>
+          </ac:spMkLst>
+        </pc:spChg>
+        <pc:spChg chg="add mod">
+          <ac:chgData name="Fatima Pillosu" userId="a6295d4dc9e22643" providerId="LiveId" clId="{1209B8F8-F314-41D8-8401-8444EED944DA}" dt="2025-07-04T19:41:54.645" v="69"/>
+          <ac:spMkLst>
+            <pc:docMk/>
+            <pc:sldMk cId="1450572231" sldId="257"/>
+            <ac:spMk id="54" creationId="{C0BCA4EB-3A05-1514-86E4-5712F4FA6ACA}"/>
+          </ac:spMkLst>
+        </pc:spChg>
+        <pc:spChg chg="add mod">
+          <ac:chgData name="Fatima Pillosu" userId="a6295d4dc9e22643" providerId="LiveId" clId="{1209B8F8-F314-41D8-8401-8444EED944DA}" dt="2025-07-04T19:41:54.645" v="69"/>
+          <ac:spMkLst>
+            <pc:docMk/>
+            <pc:sldMk cId="1450572231" sldId="257"/>
+            <ac:spMk id="55" creationId="{FB36605C-8BF7-4E03-A518-DF093FBEAB4F}"/>
+          </ac:spMkLst>
+        </pc:spChg>
+        <pc:picChg chg="add mod">
+          <ac:chgData name="Fatima Pillosu" userId="a6295d4dc9e22643" providerId="LiveId" clId="{1209B8F8-F314-41D8-8401-8444EED944DA}" dt="2025-07-04T19:40:24.854" v="62"/>
+          <ac:picMkLst>
+            <pc:docMk/>
+            <pc:sldMk cId="1450572231" sldId="257"/>
+            <ac:picMk id="2" creationId="{E98E307D-3F15-31DA-E71A-17D24E880CB1}"/>
+          </ac:picMkLst>
+        </pc:picChg>
+        <pc:picChg chg="del mod">
+          <ac:chgData name="Fatima Pillosu" userId="a6295d4dc9e22643" providerId="LiveId" clId="{1209B8F8-F314-41D8-8401-8444EED944DA}" dt="2025-07-04T14:22:30.996" v="30" actId="478"/>
+          <ac:picMkLst>
+            <pc:docMk/>
+            <pc:sldMk cId="1450572231" sldId="257"/>
+            <ac:picMk id="3" creationId="{394246A0-2581-D285-909A-5E60EEC79579}"/>
+          </ac:picMkLst>
+        </pc:picChg>
+        <pc:picChg chg="add mod">
+          <ac:chgData name="Fatima Pillosu" userId="a6295d4dc9e22643" providerId="LiveId" clId="{1209B8F8-F314-41D8-8401-8444EED944DA}" dt="2025-07-04T19:40:24.854" v="62"/>
+          <ac:picMkLst>
+            <pc:docMk/>
+            <pc:sldMk cId="1450572231" sldId="257"/>
+            <ac:picMk id="3" creationId="{B549C5FE-9396-B9F1-54C5-6A6978276F9A}"/>
+          </ac:picMkLst>
+        </pc:picChg>
+        <pc:picChg chg="add del mod ord">
+          <ac:chgData name="Fatima Pillosu" userId="a6295d4dc9e22643" providerId="LiveId" clId="{1209B8F8-F314-41D8-8401-8444EED944DA}" dt="2025-07-04T19:40:38.586" v="65" actId="21"/>
+          <ac:picMkLst>
+            <pc:docMk/>
+            <pc:sldMk cId="1450572231" sldId="257"/>
+            <ac:picMk id="4" creationId="{E3B727DC-E7B4-9CF8-491C-C6A72EA77577}"/>
+          </ac:picMkLst>
+        </pc:picChg>
+        <pc:picChg chg="del mod">
+          <ac:chgData name="Fatima Pillosu" userId="a6295d4dc9e22643" providerId="LiveId" clId="{1209B8F8-F314-41D8-8401-8444EED944DA}" dt="2025-07-04T14:22:30.996" v="30" actId="478"/>
+          <ac:picMkLst>
+            <pc:docMk/>
+            <pc:sldMk cId="1450572231" sldId="257"/>
+            <ac:picMk id="5" creationId="{5DCEFAED-D27E-A745-A64D-D691AB01BB5F}"/>
+          </ac:picMkLst>
+        </pc:picChg>
+        <pc:picChg chg="add mod">
+          <ac:chgData name="Fatima Pillosu" userId="a6295d4dc9e22643" providerId="LiveId" clId="{1209B8F8-F314-41D8-8401-8444EED944DA}" dt="2025-07-04T19:40:24.854" v="62"/>
+          <ac:picMkLst>
+            <pc:docMk/>
+            <pc:sldMk cId="1450572231" sldId="257"/>
+            <ac:picMk id="5" creationId="{81450A82-60E0-7431-05A2-2B908B2E4A14}"/>
+          </ac:picMkLst>
+        </pc:picChg>
+        <pc:picChg chg="add mod">
+          <ac:chgData name="Fatima Pillosu" userId="a6295d4dc9e22643" providerId="LiveId" clId="{1209B8F8-F314-41D8-8401-8444EED944DA}" dt="2025-07-04T19:40:24.854" v="62"/>
+          <ac:picMkLst>
+            <pc:docMk/>
+            <pc:sldMk cId="1450572231" sldId="257"/>
+            <ac:picMk id="6" creationId="{47A475C6-BDB9-3063-69F7-CEB09270629C}"/>
+          </ac:picMkLst>
+        </pc:picChg>
+        <pc:picChg chg="del mod">
+          <ac:chgData name="Fatima Pillosu" userId="a6295d4dc9e22643" providerId="LiveId" clId="{1209B8F8-F314-41D8-8401-8444EED944DA}" dt="2025-07-04T14:22:30.996" v="30" actId="478"/>
+          <ac:picMkLst>
+            <pc:docMk/>
+            <pc:sldMk cId="1450572231" sldId="257"/>
+            <ac:picMk id="7" creationId="{2BEEF104-85C2-89FD-6CE9-B758223B2D3D}"/>
+          </ac:picMkLst>
+        </pc:picChg>
+        <pc:picChg chg="add del mod ord">
+          <ac:chgData name="Fatima Pillosu" userId="a6295d4dc9e22643" providerId="LiveId" clId="{1209B8F8-F314-41D8-8401-8444EED944DA}" dt="2025-07-04T19:40:38.586" v="65" actId="21"/>
+          <ac:picMkLst>
+            <pc:docMk/>
+            <pc:sldMk cId="1450572231" sldId="257"/>
+            <ac:picMk id="8" creationId="{33D668FC-7073-7DEA-65CF-6CAF893DE2E0}"/>
+          </ac:picMkLst>
+        </pc:picChg>
+        <pc:picChg chg="del mod">
+          <ac:chgData name="Fatima Pillosu" userId="a6295d4dc9e22643" providerId="LiveId" clId="{1209B8F8-F314-41D8-8401-8444EED944DA}" dt="2025-07-04T14:22:30.996" v="30" actId="478"/>
+          <ac:picMkLst>
+            <pc:docMk/>
+            <pc:sldMk cId="1450572231" sldId="257"/>
+            <ac:picMk id="9" creationId="{468EE523-E28E-4E88-0590-CD9A8CFF5A7A}"/>
+          </ac:picMkLst>
+        </pc:picChg>
+        <pc:picChg chg="add del mod ord">
+          <ac:chgData name="Fatima Pillosu" userId="a6295d4dc9e22643" providerId="LiveId" clId="{1209B8F8-F314-41D8-8401-8444EED944DA}" dt="2025-07-04T19:40:38.586" v="65" actId="21"/>
+          <ac:picMkLst>
+            <pc:docMk/>
+            <pc:sldMk cId="1450572231" sldId="257"/>
+            <ac:picMk id="11" creationId="{F6B96379-057B-035C-AB59-17E8B699FAB2}"/>
+          </ac:picMkLst>
+        </pc:picChg>
+        <pc:picChg chg="add del mod ord">
+          <ac:chgData name="Fatima Pillosu" userId="a6295d4dc9e22643" providerId="LiveId" clId="{1209B8F8-F314-41D8-8401-8444EED944DA}" dt="2025-07-04T19:40:38.586" v="65" actId="21"/>
+          <ac:picMkLst>
+            <pc:docMk/>
+            <pc:sldMk cId="1450572231" sldId="257"/>
+            <ac:picMk id="13" creationId="{E3A069D3-5ADE-776C-A3D6-E0163A5DF65A}"/>
+          </ac:picMkLst>
+        </pc:picChg>
+        <pc:picChg chg="add mod">
+          <ac:chgData name="Fatima Pillosu" userId="a6295d4dc9e22643" providerId="LiveId" clId="{1209B8F8-F314-41D8-8401-8444EED944DA}" dt="2025-07-04T19:42:42.331" v="78" actId="553"/>
+          <ac:picMkLst>
+            <pc:docMk/>
+            <pc:sldMk cId="1450572231" sldId="257"/>
+            <ac:picMk id="27" creationId="{E3B727DC-E7B4-9CF8-491C-C6A72EA77577}"/>
+          </ac:picMkLst>
+        </pc:picChg>
+        <pc:picChg chg="add mod">
+          <ac:chgData name="Fatima Pillosu" userId="a6295d4dc9e22643" providerId="LiveId" clId="{1209B8F8-F314-41D8-8401-8444EED944DA}" dt="2025-07-04T19:43:30.321" v="108" actId="1037"/>
+          <ac:picMkLst>
+            <pc:docMk/>
+            <pc:sldMk cId="1450572231" sldId="257"/>
+            <ac:picMk id="28" creationId="{33D668FC-7073-7DEA-65CF-6CAF893DE2E0}"/>
+          </ac:picMkLst>
+        </pc:picChg>
+        <pc:picChg chg="add mod">
+          <ac:chgData name="Fatima Pillosu" userId="a6295d4dc9e22643" providerId="LiveId" clId="{1209B8F8-F314-41D8-8401-8444EED944DA}" dt="2025-07-04T19:42:56.595" v="85" actId="1035"/>
+          <ac:picMkLst>
+            <pc:docMk/>
+            <pc:sldMk cId="1450572231" sldId="257"/>
+            <ac:picMk id="29" creationId="{F6B96379-057B-035C-AB59-17E8B699FAB2}"/>
+          </ac:picMkLst>
+        </pc:picChg>
+        <pc:picChg chg="add mod">
+          <ac:chgData name="Fatima Pillosu" userId="a6295d4dc9e22643" providerId="LiveId" clId="{1209B8F8-F314-41D8-8401-8444EED944DA}" dt="2025-07-04T19:43:30.321" v="108" actId="1037"/>
+          <ac:picMkLst>
+            <pc:docMk/>
+            <pc:sldMk cId="1450572231" sldId="257"/>
+            <ac:picMk id="30" creationId="{E3A069D3-5ADE-776C-A3D6-E0163A5DF65A}"/>
+          </ac:picMkLst>
+        </pc:picChg>
+        <pc:picChg chg="add del mod">
+          <ac:chgData name="Fatima Pillosu" userId="a6295d4dc9e22643" providerId="LiveId" clId="{1209B8F8-F314-41D8-8401-8444EED944DA}" dt="2025-07-04T19:42:28.268" v="77" actId="478"/>
+          <ac:picMkLst>
+            <pc:docMk/>
+            <pc:sldMk cId="1450572231" sldId="257"/>
+            <ac:picMk id="38" creationId="{554C19BA-F302-F717-6654-B814D370E935}"/>
+          </ac:picMkLst>
+        </pc:picChg>
+        <pc:picChg chg="add del mod">
+          <ac:chgData name="Fatima Pillosu" userId="a6295d4dc9e22643" providerId="LiveId" clId="{1209B8F8-F314-41D8-8401-8444EED944DA}" dt="2025-07-04T19:42:26.357" v="75" actId="478"/>
+          <ac:picMkLst>
+            <pc:docMk/>
+            <pc:sldMk cId="1450572231" sldId="257"/>
+            <ac:picMk id="39" creationId="{B2AB64FC-C6FA-3CE1-52B5-D57D1E93461F}"/>
+          </ac:picMkLst>
+        </pc:picChg>
+        <pc:picChg chg="add del mod">
+          <ac:chgData name="Fatima Pillosu" userId="a6295d4dc9e22643" providerId="LiveId" clId="{1209B8F8-F314-41D8-8401-8444EED944DA}" dt="2025-07-04T19:42:27.501" v="76" actId="478"/>
+          <ac:picMkLst>
+            <pc:docMk/>
+            <pc:sldMk cId="1450572231" sldId="257"/>
+            <ac:picMk id="40" creationId="{08067AAD-B153-CA69-DBAC-5233EF07E239}"/>
+          </ac:picMkLst>
+        </pc:picChg>
+        <pc:picChg chg="add del mod">
+          <ac:chgData name="Fatima Pillosu" userId="a6295d4dc9e22643" providerId="LiveId" clId="{1209B8F8-F314-41D8-8401-8444EED944DA}" dt="2025-07-04T19:42:24.975" v="74" actId="478"/>
+          <ac:picMkLst>
+            <pc:docMk/>
+            <pc:sldMk cId="1450572231" sldId="257"/>
+            <ac:picMk id="41" creationId="{7D3B58DA-6E1E-512C-25E4-CBD3930AFB51}"/>
+          </ac:picMkLst>
+        </pc:picChg>
+        <pc:cxnChg chg="add mod">
+          <ac:chgData name="Fatima Pillosu" userId="a6295d4dc9e22643" providerId="LiveId" clId="{1209B8F8-F314-41D8-8401-8444EED944DA}" dt="2025-07-04T19:40:24.854" v="62"/>
+          <ac:cxnSpMkLst>
+            <pc:docMk/>
+            <pc:sldMk cId="1450572231" sldId="257"/>
+            <ac:cxnSpMk id="19" creationId="{2DD810D8-4880-3B96-3CB6-D6BD3D6F9FE7}"/>
+          </ac:cxnSpMkLst>
+        </pc:cxnChg>
+        <pc:cxnChg chg="add mod">
+          <ac:chgData name="Fatima Pillosu" userId="a6295d4dc9e22643" providerId="LiveId" clId="{1209B8F8-F314-41D8-8401-8444EED944DA}" dt="2025-07-04T19:40:24.854" v="62"/>
+          <ac:cxnSpMkLst>
+            <pc:docMk/>
+            <pc:sldMk cId="1450572231" sldId="257"/>
+            <ac:cxnSpMk id="20" creationId="{5DF4CD71-30FF-8C96-0F04-200DE67A0C82}"/>
+          </ac:cxnSpMkLst>
+        </pc:cxnChg>
+        <pc:cxnChg chg="add mod">
+          <ac:chgData name="Fatima Pillosu" userId="a6295d4dc9e22643" providerId="LiveId" clId="{1209B8F8-F314-41D8-8401-8444EED944DA}" dt="2025-07-04T19:40:24.854" v="62"/>
+          <ac:cxnSpMkLst>
+            <pc:docMk/>
+            <pc:sldMk cId="1450572231" sldId="257"/>
+            <ac:cxnSpMk id="21" creationId="{33B7A884-A094-28F3-30B3-905ECBB1F911}"/>
+          </ac:cxnSpMkLst>
+        </pc:cxnChg>
+        <pc:cxnChg chg="add mod">
+          <ac:chgData name="Fatima Pillosu" userId="a6295d4dc9e22643" providerId="LiveId" clId="{1209B8F8-F314-41D8-8401-8444EED944DA}" dt="2025-07-04T19:41:54.645" v="69"/>
+          <ac:cxnSpMkLst>
+            <pc:docMk/>
+            <pc:sldMk cId="1450572231" sldId="257"/>
+            <ac:cxnSpMk id="51" creationId="{09A2CBF7-1864-6326-9F78-0D63D27E2656}"/>
+          </ac:cxnSpMkLst>
+        </pc:cxnChg>
+        <pc:cxnChg chg="add mod">
+          <ac:chgData name="Fatima Pillosu" userId="a6295d4dc9e22643" providerId="LiveId" clId="{1209B8F8-F314-41D8-8401-8444EED944DA}" dt="2025-07-04T19:41:54.645" v="69"/>
+          <ac:cxnSpMkLst>
+            <pc:docMk/>
+            <pc:sldMk cId="1450572231" sldId="257"/>
+            <ac:cxnSpMk id="52" creationId="{3923188B-6A1A-4DB4-AE53-FB5F51F7A805}"/>
+          </ac:cxnSpMkLst>
+        </pc:cxnChg>
+        <pc:cxnChg chg="add mod">
+          <ac:chgData name="Fatima Pillosu" userId="a6295d4dc9e22643" providerId="LiveId" clId="{1209B8F8-F314-41D8-8401-8444EED944DA}" dt="2025-07-04T19:41:54.645" v="69"/>
+          <ac:cxnSpMkLst>
+            <pc:docMk/>
+            <pc:sldMk cId="1450572231" sldId="257"/>
+            <ac:cxnSpMk id="53" creationId="{FBCBB9B5-1E55-37EA-28AB-616B0C7DB846}"/>
+          </ac:cxnSpMkLst>
+        </pc:cxnChg>
       </pc:sldChg>
       <pc:sldChg chg="del">
         <pc:chgData name="Fatima Pillosu" userId="a6295d4dc9e22643" providerId="LiveId" clId="{1209B8F8-F314-41D8-8401-8444EED944DA}" dt="2025-07-03T15:56:53.584" v="1" actId="47"/>
@@ -5563,6 +6018,280 @@
           <pc:sldMk cId="2481128773" sldId="261"/>
         </pc:sldMkLst>
       </pc:sldChg>
+      <pc:sldMasterChg chg="modSp modSldLayout">
+        <pc:chgData name="Fatima Pillosu" userId="a6295d4dc9e22643" providerId="LiveId" clId="{1209B8F8-F314-41D8-8401-8444EED944DA}" dt="2025-07-04T19:40:32.823" v="63"/>
+        <pc:sldMasterMkLst>
+          <pc:docMk/>
+          <pc:sldMasterMk cId="455481283" sldId="2147483720"/>
+        </pc:sldMasterMkLst>
+        <pc:spChg chg="mod">
+          <ac:chgData name="Fatima Pillosu" userId="a6295d4dc9e22643" providerId="LiveId" clId="{1209B8F8-F314-41D8-8401-8444EED944DA}" dt="2025-07-04T19:40:32.823" v="63"/>
+          <ac:spMkLst>
+            <pc:docMk/>
+            <pc:sldMasterMk cId="455481283" sldId="2147483720"/>
+            <ac:spMk id="2" creationId="{00000000-0000-0000-0000-000000000000}"/>
+          </ac:spMkLst>
+        </pc:spChg>
+        <pc:spChg chg="mod">
+          <ac:chgData name="Fatima Pillosu" userId="a6295d4dc9e22643" providerId="LiveId" clId="{1209B8F8-F314-41D8-8401-8444EED944DA}" dt="2025-07-04T19:40:32.823" v="63"/>
+          <ac:spMkLst>
+            <pc:docMk/>
+            <pc:sldMasterMk cId="455481283" sldId="2147483720"/>
+            <ac:spMk id="3" creationId="{00000000-0000-0000-0000-000000000000}"/>
+          </ac:spMkLst>
+        </pc:spChg>
+        <pc:spChg chg="mod">
+          <ac:chgData name="Fatima Pillosu" userId="a6295d4dc9e22643" providerId="LiveId" clId="{1209B8F8-F314-41D8-8401-8444EED944DA}" dt="2025-07-04T19:40:32.823" v="63"/>
+          <ac:spMkLst>
+            <pc:docMk/>
+            <pc:sldMasterMk cId="455481283" sldId="2147483720"/>
+            <ac:spMk id="4" creationId="{00000000-0000-0000-0000-000000000000}"/>
+          </ac:spMkLst>
+        </pc:spChg>
+        <pc:spChg chg="mod">
+          <ac:chgData name="Fatima Pillosu" userId="a6295d4dc9e22643" providerId="LiveId" clId="{1209B8F8-F314-41D8-8401-8444EED944DA}" dt="2025-07-04T19:40:32.823" v="63"/>
+          <ac:spMkLst>
+            <pc:docMk/>
+            <pc:sldMasterMk cId="455481283" sldId="2147483720"/>
+            <ac:spMk id="5" creationId="{00000000-0000-0000-0000-000000000000}"/>
+          </ac:spMkLst>
+        </pc:spChg>
+        <pc:spChg chg="mod">
+          <ac:chgData name="Fatima Pillosu" userId="a6295d4dc9e22643" providerId="LiveId" clId="{1209B8F8-F314-41D8-8401-8444EED944DA}" dt="2025-07-04T19:40:32.823" v="63"/>
+          <ac:spMkLst>
+            <pc:docMk/>
+            <pc:sldMasterMk cId="455481283" sldId="2147483720"/>
+            <ac:spMk id="6" creationId="{00000000-0000-0000-0000-000000000000}"/>
+          </ac:spMkLst>
+        </pc:spChg>
+        <pc:sldLayoutChg chg="modSp">
+          <pc:chgData name="Fatima Pillosu" userId="a6295d4dc9e22643" providerId="LiveId" clId="{1209B8F8-F314-41D8-8401-8444EED944DA}" dt="2025-07-04T19:40:32.823" v="63"/>
+          <pc:sldLayoutMkLst>
+            <pc:docMk/>
+            <pc:sldMasterMk cId="455481283" sldId="2147483720"/>
+            <pc:sldLayoutMk cId="188501833" sldId="2147483721"/>
+          </pc:sldLayoutMkLst>
+          <pc:spChg chg="mod">
+            <ac:chgData name="Fatima Pillosu" userId="a6295d4dc9e22643" providerId="LiveId" clId="{1209B8F8-F314-41D8-8401-8444EED944DA}" dt="2025-07-04T19:40:32.823" v="63"/>
+            <ac:spMkLst>
+              <pc:docMk/>
+              <pc:sldMasterMk cId="455481283" sldId="2147483720"/>
+              <pc:sldLayoutMk cId="188501833" sldId="2147483721"/>
+              <ac:spMk id="2" creationId="{00000000-0000-0000-0000-000000000000}"/>
+            </ac:spMkLst>
+          </pc:spChg>
+          <pc:spChg chg="mod">
+            <ac:chgData name="Fatima Pillosu" userId="a6295d4dc9e22643" providerId="LiveId" clId="{1209B8F8-F314-41D8-8401-8444EED944DA}" dt="2025-07-04T19:40:32.823" v="63"/>
+            <ac:spMkLst>
+              <pc:docMk/>
+              <pc:sldMasterMk cId="455481283" sldId="2147483720"/>
+              <pc:sldLayoutMk cId="188501833" sldId="2147483721"/>
+              <ac:spMk id="3" creationId="{00000000-0000-0000-0000-000000000000}"/>
+            </ac:spMkLst>
+          </pc:spChg>
+        </pc:sldLayoutChg>
+        <pc:sldLayoutChg chg="modSp">
+          <pc:chgData name="Fatima Pillosu" userId="a6295d4dc9e22643" providerId="LiveId" clId="{1209B8F8-F314-41D8-8401-8444EED944DA}" dt="2025-07-04T19:40:32.823" v="63"/>
+          <pc:sldLayoutMkLst>
+            <pc:docMk/>
+            <pc:sldMasterMk cId="455481283" sldId="2147483720"/>
+            <pc:sldLayoutMk cId="175238260" sldId="2147483723"/>
+          </pc:sldLayoutMkLst>
+          <pc:spChg chg="mod">
+            <ac:chgData name="Fatima Pillosu" userId="a6295d4dc9e22643" providerId="LiveId" clId="{1209B8F8-F314-41D8-8401-8444EED944DA}" dt="2025-07-04T19:40:32.823" v="63"/>
+            <ac:spMkLst>
+              <pc:docMk/>
+              <pc:sldMasterMk cId="455481283" sldId="2147483720"/>
+              <pc:sldLayoutMk cId="175238260" sldId="2147483723"/>
+              <ac:spMk id="2" creationId="{00000000-0000-0000-0000-000000000000}"/>
+            </ac:spMkLst>
+          </pc:spChg>
+          <pc:spChg chg="mod">
+            <ac:chgData name="Fatima Pillosu" userId="a6295d4dc9e22643" providerId="LiveId" clId="{1209B8F8-F314-41D8-8401-8444EED944DA}" dt="2025-07-04T19:40:32.823" v="63"/>
+            <ac:spMkLst>
+              <pc:docMk/>
+              <pc:sldMasterMk cId="455481283" sldId="2147483720"/>
+              <pc:sldLayoutMk cId="175238260" sldId="2147483723"/>
+              <ac:spMk id="3" creationId="{00000000-0000-0000-0000-000000000000}"/>
+            </ac:spMkLst>
+          </pc:spChg>
+        </pc:sldLayoutChg>
+        <pc:sldLayoutChg chg="modSp">
+          <pc:chgData name="Fatima Pillosu" userId="a6295d4dc9e22643" providerId="LiveId" clId="{1209B8F8-F314-41D8-8401-8444EED944DA}" dt="2025-07-04T19:40:32.823" v="63"/>
+          <pc:sldLayoutMkLst>
+            <pc:docMk/>
+            <pc:sldMasterMk cId="455481283" sldId="2147483720"/>
+            <pc:sldLayoutMk cId="3856796261" sldId="2147483724"/>
+          </pc:sldLayoutMkLst>
+          <pc:spChg chg="mod">
+            <ac:chgData name="Fatima Pillosu" userId="a6295d4dc9e22643" providerId="LiveId" clId="{1209B8F8-F314-41D8-8401-8444EED944DA}" dt="2025-07-04T19:40:32.823" v="63"/>
+            <ac:spMkLst>
+              <pc:docMk/>
+              <pc:sldMasterMk cId="455481283" sldId="2147483720"/>
+              <pc:sldLayoutMk cId="3856796261" sldId="2147483724"/>
+              <ac:spMk id="3" creationId="{00000000-0000-0000-0000-000000000000}"/>
+            </ac:spMkLst>
+          </pc:spChg>
+          <pc:spChg chg="mod">
+            <ac:chgData name="Fatima Pillosu" userId="a6295d4dc9e22643" providerId="LiveId" clId="{1209B8F8-F314-41D8-8401-8444EED944DA}" dt="2025-07-04T19:40:32.823" v="63"/>
+            <ac:spMkLst>
+              <pc:docMk/>
+              <pc:sldMasterMk cId="455481283" sldId="2147483720"/>
+              <pc:sldLayoutMk cId="3856796261" sldId="2147483724"/>
+              <ac:spMk id="4" creationId="{00000000-0000-0000-0000-000000000000}"/>
+            </ac:spMkLst>
+          </pc:spChg>
+        </pc:sldLayoutChg>
+        <pc:sldLayoutChg chg="modSp">
+          <pc:chgData name="Fatima Pillosu" userId="a6295d4dc9e22643" providerId="LiveId" clId="{1209B8F8-F314-41D8-8401-8444EED944DA}" dt="2025-07-04T19:40:32.823" v="63"/>
+          <pc:sldLayoutMkLst>
+            <pc:docMk/>
+            <pc:sldMasterMk cId="455481283" sldId="2147483720"/>
+            <pc:sldLayoutMk cId="2524364878" sldId="2147483725"/>
+          </pc:sldLayoutMkLst>
+          <pc:spChg chg="mod">
+            <ac:chgData name="Fatima Pillosu" userId="a6295d4dc9e22643" providerId="LiveId" clId="{1209B8F8-F314-41D8-8401-8444EED944DA}" dt="2025-07-04T19:40:32.823" v="63"/>
+            <ac:spMkLst>
+              <pc:docMk/>
+              <pc:sldMasterMk cId="455481283" sldId="2147483720"/>
+              <pc:sldLayoutMk cId="2524364878" sldId="2147483725"/>
+              <ac:spMk id="2" creationId="{00000000-0000-0000-0000-000000000000}"/>
+            </ac:spMkLst>
+          </pc:spChg>
+          <pc:spChg chg="mod">
+            <ac:chgData name="Fatima Pillosu" userId="a6295d4dc9e22643" providerId="LiveId" clId="{1209B8F8-F314-41D8-8401-8444EED944DA}" dt="2025-07-04T19:40:32.823" v="63"/>
+            <ac:spMkLst>
+              <pc:docMk/>
+              <pc:sldMasterMk cId="455481283" sldId="2147483720"/>
+              <pc:sldLayoutMk cId="2524364878" sldId="2147483725"/>
+              <ac:spMk id="3" creationId="{00000000-0000-0000-0000-000000000000}"/>
+            </ac:spMkLst>
+          </pc:spChg>
+          <pc:spChg chg="mod">
+            <ac:chgData name="Fatima Pillosu" userId="a6295d4dc9e22643" providerId="LiveId" clId="{1209B8F8-F314-41D8-8401-8444EED944DA}" dt="2025-07-04T19:40:32.823" v="63"/>
+            <ac:spMkLst>
+              <pc:docMk/>
+              <pc:sldMasterMk cId="455481283" sldId="2147483720"/>
+              <pc:sldLayoutMk cId="2524364878" sldId="2147483725"/>
+              <ac:spMk id="4" creationId="{00000000-0000-0000-0000-000000000000}"/>
+            </ac:spMkLst>
+          </pc:spChg>
+          <pc:spChg chg="mod">
+            <ac:chgData name="Fatima Pillosu" userId="a6295d4dc9e22643" providerId="LiveId" clId="{1209B8F8-F314-41D8-8401-8444EED944DA}" dt="2025-07-04T19:40:32.823" v="63"/>
+            <ac:spMkLst>
+              <pc:docMk/>
+              <pc:sldMasterMk cId="455481283" sldId="2147483720"/>
+              <pc:sldLayoutMk cId="2524364878" sldId="2147483725"/>
+              <ac:spMk id="5" creationId="{00000000-0000-0000-0000-000000000000}"/>
+            </ac:spMkLst>
+          </pc:spChg>
+          <pc:spChg chg="mod">
+            <ac:chgData name="Fatima Pillosu" userId="a6295d4dc9e22643" providerId="LiveId" clId="{1209B8F8-F314-41D8-8401-8444EED944DA}" dt="2025-07-04T19:40:32.823" v="63"/>
+            <ac:spMkLst>
+              <pc:docMk/>
+              <pc:sldMasterMk cId="455481283" sldId="2147483720"/>
+              <pc:sldLayoutMk cId="2524364878" sldId="2147483725"/>
+              <ac:spMk id="6" creationId="{00000000-0000-0000-0000-000000000000}"/>
+            </ac:spMkLst>
+          </pc:spChg>
+        </pc:sldLayoutChg>
+        <pc:sldLayoutChg chg="modSp">
+          <pc:chgData name="Fatima Pillosu" userId="a6295d4dc9e22643" providerId="LiveId" clId="{1209B8F8-F314-41D8-8401-8444EED944DA}" dt="2025-07-04T19:40:32.823" v="63"/>
+          <pc:sldLayoutMkLst>
+            <pc:docMk/>
+            <pc:sldMasterMk cId="455481283" sldId="2147483720"/>
+            <pc:sldLayoutMk cId="3502670324" sldId="2147483728"/>
+          </pc:sldLayoutMkLst>
+          <pc:spChg chg="mod">
+            <ac:chgData name="Fatima Pillosu" userId="a6295d4dc9e22643" providerId="LiveId" clId="{1209B8F8-F314-41D8-8401-8444EED944DA}" dt="2025-07-04T19:40:32.823" v="63"/>
+            <ac:spMkLst>
+              <pc:docMk/>
+              <pc:sldMasterMk cId="455481283" sldId="2147483720"/>
+              <pc:sldLayoutMk cId="3502670324" sldId="2147483728"/>
+              <ac:spMk id="2" creationId="{00000000-0000-0000-0000-000000000000}"/>
+            </ac:spMkLst>
+          </pc:spChg>
+          <pc:spChg chg="mod">
+            <ac:chgData name="Fatima Pillosu" userId="a6295d4dc9e22643" providerId="LiveId" clId="{1209B8F8-F314-41D8-8401-8444EED944DA}" dt="2025-07-04T19:40:32.823" v="63"/>
+            <ac:spMkLst>
+              <pc:docMk/>
+              <pc:sldMasterMk cId="455481283" sldId="2147483720"/>
+              <pc:sldLayoutMk cId="3502670324" sldId="2147483728"/>
+              <ac:spMk id="3" creationId="{00000000-0000-0000-0000-000000000000}"/>
+            </ac:spMkLst>
+          </pc:spChg>
+          <pc:spChg chg="mod">
+            <ac:chgData name="Fatima Pillosu" userId="a6295d4dc9e22643" providerId="LiveId" clId="{1209B8F8-F314-41D8-8401-8444EED944DA}" dt="2025-07-04T19:40:32.823" v="63"/>
+            <ac:spMkLst>
+              <pc:docMk/>
+              <pc:sldMasterMk cId="455481283" sldId="2147483720"/>
+              <pc:sldLayoutMk cId="3502670324" sldId="2147483728"/>
+              <ac:spMk id="4" creationId="{00000000-0000-0000-0000-000000000000}"/>
+            </ac:spMkLst>
+          </pc:spChg>
+        </pc:sldLayoutChg>
+        <pc:sldLayoutChg chg="modSp">
+          <pc:chgData name="Fatima Pillosu" userId="a6295d4dc9e22643" providerId="LiveId" clId="{1209B8F8-F314-41D8-8401-8444EED944DA}" dt="2025-07-04T19:40:32.823" v="63"/>
+          <pc:sldLayoutMkLst>
+            <pc:docMk/>
+            <pc:sldMasterMk cId="455481283" sldId="2147483720"/>
+            <pc:sldLayoutMk cId="2146896759" sldId="2147483729"/>
+          </pc:sldLayoutMkLst>
+          <pc:spChg chg="mod">
+            <ac:chgData name="Fatima Pillosu" userId="a6295d4dc9e22643" providerId="LiveId" clId="{1209B8F8-F314-41D8-8401-8444EED944DA}" dt="2025-07-04T19:40:32.823" v="63"/>
+            <ac:spMkLst>
+              <pc:docMk/>
+              <pc:sldMasterMk cId="455481283" sldId="2147483720"/>
+              <pc:sldLayoutMk cId="2146896759" sldId="2147483729"/>
+              <ac:spMk id="2" creationId="{00000000-0000-0000-0000-000000000000}"/>
+            </ac:spMkLst>
+          </pc:spChg>
+          <pc:spChg chg="mod">
+            <ac:chgData name="Fatima Pillosu" userId="a6295d4dc9e22643" providerId="LiveId" clId="{1209B8F8-F314-41D8-8401-8444EED944DA}" dt="2025-07-04T19:40:32.823" v="63"/>
+            <ac:spMkLst>
+              <pc:docMk/>
+              <pc:sldMasterMk cId="455481283" sldId="2147483720"/>
+              <pc:sldLayoutMk cId="2146896759" sldId="2147483729"/>
+              <ac:spMk id="3" creationId="{00000000-0000-0000-0000-000000000000}"/>
+            </ac:spMkLst>
+          </pc:spChg>
+          <pc:spChg chg="mod">
+            <ac:chgData name="Fatima Pillosu" userId="a6295d4dc9e22643" providerId="LiveId" clId="{1209B8F8-F314-41D8-8401-8444EED944DA}" dt="2025-07-04T19:40:32.823" v="63"/>
+            <ac:spMkLst>
+              <pc:docMk/>
+              <pc:sldMasterMk cId="455481283" sldId="2147483720"/>
+              <pc:sldLayoutMk cId="2146896759" sldId="2147483729"/>
+              <ac:spMk id="4" creationId="{00000000-0000-0000-0000-000000000000}"/>
+            </ac:spMkLst>
+          </pc:spChg>
+        </pc:sldLayoutChg>
+        <pc:sldLayoutChg chg="modSp">
+          <pc:chgData name="Fatima Pillosu" userId="a6295d4dc9e22643" providerId="LiveId" clId="{1209B8F8-F314-41D8-8401-8444EED944DA}" dt="2025-07-04T19:40:32.823" v="63"/>
+          <pc:sldLayoutMkLst>
+            <pc:docMk/>
+            <pc:sldMasterMk cId="455481283" sldId="2147483720"/>
+            <pc:sldLayoutMk cId="3823829807" sldId="2147483731"/>
+          </pc:sldLayoutMkLst>
+          <pc:spChg chg="mod">
+            <ac:chgData name="Fatima Pillosu" userId="a6295d4dc9e22643" providerId="LiveId" clId="{1209B8F8-F314-41D8-8401-8444EED944DA}" dt="2025-07-04T19:40:32.823" v="63"/>
+            <ac:spMkLst>
+              <pc:docMk/>
+              <pc:sldMasterMk cId="455481283" sldId="2147483720"/>
+              <pc:sldLayoutMk cId="3823829807" sldId="2147483731"/>
+              <ac:spMk id="2" creationId="{00000000-0000-0000-0000-000000000000}"/>
+            </ac:spMkLst>
+          </pc:spChg>
+          <pc:spChg chg="mod">
+            <ac:chgData name="Fatima Pillosu" userId="a6295d4dc9e22643" providerId="LiveId" clId="{1209B8F8-F314-41D8-8401-8444EED944DA}" dt="2025-07-04T19:40:32.823" v="63"/>
+            <ac:spMkLst>
+              <pc:docMk/>
+              <pc:sldMasterMk cId="455481283" sldId="2147483720"/>
+              <pc:sldLayoutMk cId="3823829807" sldId="2147483731"/>
+              <ac:spMk id="3" creationId="{00000000-0000-0000-0000-000000000000}"/>
+            </ac:spMkLst>
+          </pc:spChg>
+        </pc:sldLayoutChg>
+      </pc:sldMasterChg>
     </pc:docChg>
   </pc:docChgLst>
   <pc:docChgLst>
@@ -6330,7 +7059,7 @@
         </p:nvSpPr>
         <p:spPr>
           <a:xfrm>
-            <a:off x="539949" y="1937763"/>
+            <a:off x="539950" y="1937765"/>
             <a:ext cx="3239691" cy="890739"/>
           </a:xfrm>
         </p:spPr>
@@ -6400,7 +7129,7 @@
           <a:p>
             <a:fld id="{F0820250-0589-45C6-A87F-3E34BBC48915}" type="datetimeFigureOut">
               <a:rPr lang="en-GB" smtClean="0"/>
-              <a:t>03/07/2025</a:t>
+              <a:t>04/07/2025</a:t>
             </a:fld>
             <a:endParaRPr lang="en-GB"/>
           </a:p>
@@ -6570,7 +7299,7 @@
           <a:p>
             <a:fld id="{F0820250-0589-45C6-A87F-3E34BBC48915}" type="datetimeFigureOut">
               <a:rPr lang="en-GB" smtClean="0"/>
-              <a:t>03/07/2025</a:t>
+              <a:t>04/07/2025</a:t>
             </a:fld>
             <a:endParaRPr lang="en-GB"/>
           </a:p>
@@ -6750,7 +7479,7 @@
           <a:p>
             <a:fld id="{F0820250-0589-45C6-A87F-3E34BBC48915}" type="datetimeFigureOut">
               <a:rPr lang="en-GB" smtClean="0"/>
-              <a:t>03/07/2025</a:t>
+              <a:t>04/07/2025</a:t>
             </a:fld>
             <a:endParaRPr lang="en-GB"/>
           </a:p>
@@ -6920,7 +7649,7 @@
           <a:p>
             <a:fld id="{F0820250-0589-45C6-A87F-3E34BBC48915}" type="datetimeFigureOut">
               <a:rPr lang="en-GB" smtClean="0"/>
-              <a:t>03/07/2025</a:t>
+              <a:t>04/07/2025</a:t>
             </a:fld>
             <a:endParaRPr lang="en-GB"/>
           </a:p>
@@ -7010,7 +7739,7 @@
         </p:nvSpPr>
         <p:spPr>
           <a:xfrm>
-            <a:off x="294722" y="919776"/>
+            <a:off x="294723" y="919778"/>
             <a:ext cx="3725645" cy="1534667"/>
           </a:xfrm>
         </p:spPr>
@@ -7042,7 +7771,7 @@
         </p:nvSpPr>
         <p:spPr>
           <a:xfrm>
-            <a:off x="294722" y="2468962"/>
+            <a:off x="294723" y="2468964"/>
             <a:ext cx="3725645" cy="807045"/>
           </a:xfrm>
         </p:spPr>
@@ -7166,7 +7895,7 @@
           <a:p>
             <a:fld id="{F0820250-0589-45C6-A87F-3E34BBC48915}" type="datetimeFigureOut">
               <a:rPr lang="en-GB" smtClean="0"/>
-              <a:t>03/07/2025</a:t>
+              <a:t>04/07/2025</a:t>
             </a:fld>
             <a:endParaRPr lang="en-GB"/>
           </a:p>
@@ -7279,7 +8008,7 @@
         </p:nvSpPr>
         <p:spPr>
           <a:xfrm>
-            <a:off x="296972" y="982118"/>
+            <a:off x="296973" y="982120"/>
             <a:ext cx="1835825" cy="2340859"/>
           </a:xfrm>
         </p:spPr>
@@ -7336,7 +8065,7 @@
         </p:nvSpPr>
         <p:spPr>
           <a:xfrm>
-            <a:off x="2186791" y="982118"/>
+            <a:off x="2186792" y="982120"/>
             <a:ext cx="1835825" cy="2340859"/>
           </a:xfrm>
         </p:spPr>
@@ -7398,7 +8127,7 @@
           <a:p>
             <a:fld id="{F0820250-0589-45C6-A87F-3E34BBC48915}" type="datetimeFigureOut">
               <a:rPr lang="en-GB" smtClean="0"/>
-              <a:t>03/07/2025</a:t>
+              <a:t>04/07/2025</a:t>
             </a:fld>
             <a:endParaRPr lang="en-GB"/>
           </a:p>
@@ -7488,7 +8217,7 @@
         </p:nvSpPr>
         <p:spPr>
           <a:xfrm>
-            <a:off x="297534" y="196424"/>
+            <a:off x="297535" y="196424"/>
             <a:ext cx="3725645" cy="713104"/>
           </a:xfrm>
         </p:spPr>
@@ -7638,7 +8367,7 @@
         </p:nvSpPr>
         <p:spPr>
           <a:xfrm>
-            <a:off x="2186791" y="904403"/>
+            <a:off x="2186792" y="904403"/>
             <a:ext cx="1836388" cy="443234"/>
           </a:xfrm>
         </p:spPr>
@@ -7703,7 +8432,7 @@
         </p:nvSpPr>
         <p:spPr>
           <a:xfrm>
-            <a:off x="2186791" y="1347638"/>
+            <a:off x="2186792" y="1347638"/>
             <a:ext cx="1836388" cy="1982172"/>
           </a:xfrm>
         </p:spPr>
@@ -7765,7 +8494,7 @@
           <a:p>
             <a:fld id="{F0820250-0589-45C6-A87F-3E34BBC48915}" type="datetimeFigureOut">
               <a:rPr lang="en-GB" smtClean="0"/>
-              <a:t>03/07/2025</a:t>
+              <a:t>04/07/2025</a:t>
             </a:fld>
             <a:endParaRPr lang="en-GB"/>
           </a:p>
@@ -7883,7 +8612,7 @@
           <a:p>
             <a:fld id="{F0820250-0589-45C6-A87F-3E34BBC48915}" type="datetimeFigureOut">
               <a:rPr lang="en-GB" smtClean="0"/>
-              <a:t>03/07/2025</a:t>
+              <a:t>04/07/2025</a:t>
             </a:fld>
             <a:endParaRPr lang="en-GB"/>
           </a:p>
@@ -7978,7 +8707,7 @@
           <a:p>
             <a:fld id="{F0820250-0589-45C6-A87F-3E34BBC48915}" type="datetimeFigureOut">
               <a:rPr lang="en-GB" smtClean="0"/>
-              <a:t>03/07/2025</a:t>
+              <a:t>04/07/2025</a:t>
             </a:fld>
             <a:endParaRPr lang="en-GB"/>
           </a:p>
@@ -8068,7 +8797,7 @@
         </p:nvSpPr>
         <p:spPr>
           <a:xfrm>
-            <a:off x="297534" y="245957"/>
+            <a:off x="297535" y="245957"/>
             <a:ext cx="1393180" cy="860848"/>
           </a:xfrm>
         </p:spPr>
@@ -8185,7 +8914,7 @@
         </p:nvSpPr>
         <p:spPr>
           <a:xfrm>
-            <a:off x="297534" y="1106805"/>
+            <a:off x="297535" y="1106807"/>
             <a:ext cx="1393180" cy="2050493"/>
           </a:xfrm>
         </p:spPr>
@@ -8255,7 +8984,7 @@
           <a:p>
             <a:fld id="{F0820250-0589-45C6-A87F-3E34BBC48915}" type="datetimeFigureOut">
               <a:rPr lang="en-GB" smtClean="0"/>
-              <a:t>03/07/2025</a:t>
+              <a:t>04/07/2025</a:t>
             </a:fld>
             <a:endParaRPr lang="en-GB"/>
           </a:p>
@@ -8345,7 +9074,7 @@
         </p:nvSpPr>
         <p:spPr>
           <a:xfrm>
-            <a:off x="297534" y="245957"/>
+            <a:off x="297535" y="245957"/>
             <a:ext cx="1393180" cy="860848"/>
           </a:xfrm>
         </p:spPr>
@@ -8442,7 +9171,7 @@
         </p:nvSpPr>
         <p:spPr>
           <a:xfrm>
-            <a:off x="297534" y="1106805"/>
+            <a:off x="297535" y="1106807"/>
             <a:ext cx="1393180" cy="2050493"/>
           </a:xfrm>
         </p:spPr>
@@ -8512,7 +9241,7 @@
           <a:p>
             <a:fld id="{F0820250-0589-45C6-A87F-3E34BBC48915}" type="datetimeFigureOut">
               <a:rPr lang="en-GB" smtClean="0"/>
-              <a:t>03/07/2025</a:t>
+              <a:t>04/07/2025</a:t>
             </a:fld>
             <a:endParaRPr lang="en-GB"/>
           </a:p>
@@ -8607,7 +9336,7 @@
         </p:nvSpPr>
         <p:spPr>
           <a:xfrm>
-            <a:off x="296972" y="196424"/>
+            <a:off x="296973" y="196424"/>
             <a:ext cx="3725645" cy="713104"/>
           </a:xfrm>
           <a:prstGeom prst="rect">
@@ -8640,7 +9369,7 @@
         </p:nvSpPr>
         <p:spPr>
           <a:xfrm>
-            <a:off x="296972" y="982118"/>
+            <a:off x="296973" y="982120"/>
             <a:ext cx="3725645" cy="2340859"/>
           </a:xfrm>
           <a:prstGeom prst="rect">
@@ -8702,7 +9431,7 @@
         </p:nvSpPr>
         <p:spPr>
           <a:xfrm>
-            <a:off x="296972" y="3419482"/>
+            <a:off x="296973" y="3419482"/>
             <a:ext cx="971907" cy="196424"/>
           </a:xfrm>
           <a:prstGeom prst="rect">
@@ -8725,7 +9454,7 @@
           <a:p>
             <a:fld id="{F0820250-0589-45C6-A87F-3E34BBC48915}" type="datetimeFigureOut">
               <a:rPr lang="en-GB" smtClean="0"/>
-              <a:t>03/07/2025</a:t>
+              <a:t>04/07/2025</a:t>
             </a:fld>
             <a:endParaRPr lang="en-GB"/>
           </a:p>
@@ -8743,7 +9472,7 @@
         </p:nvSpPr>
         <p:spPr>
           <a:xfrm>
-            <a:off x="1430864" y="3419482"/>
+            <a:off x="1430865" y="3419482"/>
             <a:ext cx="1457861" cy="196424"/>
           </a:xfrm>
           <a:prstGeom prst="rect">
@@ -8780,7 +9509,7 @@
         </p:nvSpPr>
         <p:spPr>
           <a:xfrm>
-            <a:off x="3050709" y="3419482"/>
+            <a:off x="3050710" y="3419482"/>
             <a:ext cx="971907" cy="196424"/>
           </a:xfrm>
           <a:prstGeom prst="rect">
@@ -9132,10 +9861,10 @@
       </p:grpSpPr>
       <p:pic>
         <p:nvPicPr>
-          <p:cNvPr id="3" name="Picture 2" descr="A graph of a number of different types of numbers&#10;&#10;AI-generated content may be incorrect.">
+          <p:cNvPr id="27" name="Picture 26" descr="A graph of a number of different types of numbers&#10;&#10;AI-generated content may be incorrect.">
             <a:extLst>
               <a:ext uri="{FF2B5EF4-FFF2-40B4-BE49-F238E27FC236}">
-                <a16:creationId xmlns:a16="http://schemas.microsoft.com/office/drawing/2014/main" id="{394246A0-2581-D285-909A-5E60EEC79579}"/>
+                <a16:creationId xmlns:a16="http://schemas.microsoft.com/office/drawing/2014/main" id="{E3B727DC-E7B4-9CF8-491C-C6A72EA77577}"/>
               </a:ext>
             </a:extLst>
           </p:cNvPr>
@@ -9158,8 +9887,8 @@
         </p:blipFill>
         <p:spPr>
           <a:xfrm>
-            <a:off x="301240" y="477863"/>
-            <a:ext cx="2025000" cy="1620000"/>
+            <a:off x="301240" y="963471"/>
+            <a:ext cx="1800000" cy="1440000"/>
           </a:xfrm>
           <a:prstGeom prst="rect">
             <a:avLst/>
@@ -9168,10 +9897,10 @@
       </p:pic>
       <p:pic>
         <p:nvPicPr>
-          <p:cNvPr id="5" name="Picture 4" descr="A graph of different types of numbers&#10;&#10;AI-generated content may be incorrect.">
+          <p:cNvPr id="28" name="Picture 27" descr="A graph of different types of data&#10;&#10;AI-generated content may be incorrect.">
             <a:extLst>
               <a:ext uri="{FF2B5EF4-FFF2-40B4-BE49-F238E27FC236}">
-                <a16:creationId xmlns:a16="http://schemas.microsoft.com/office/drawing/2014/main" id="{5DCEFAED-D27E-A745-A64D-D691AB01BB5F}"/>
+                <a16:creationId xmlns:a16="http://schemas.microsoft.com/office/drawing/2014/main" id="{33D668FC-7073-7DEA-65CF-6CAF893DE2E0}"/>
               </a:ext>
             </a:extLst>
           </p:cNvPr>
@@ -9194,8 +9923,8 @@
         </p:blipFill>
         <p:spPr>
           <a:xfrm>
-            <a:off x="2295035" y="477863"/>
-            <a:ext cx="2025000" cy="1620000"/>
+            <a:off x="2456960" y="963471"/>
+            <a:ext cx="1800000" cy="1440000"/>
           </a:xfrm>
           <a:prstGeom prst="rect">
             <a:avLst/>
@@ -9204,10 +9933,10 @@
       </p:pic>
       <p:pic>
         <p:nvPicPr>
-          <p:cNvPr id="7" name="Picture 6" descr="A graph of a number of objects&#10;&#10;AI-generated content may be incorrect.">
+          <p:cNvPr id="29" name="Picture 28" descr="A graph of a number of different types of weight&#10;&#10;AI-generated content may be incorrect.">
             <a:extLst>
               <a:ext uri="{FF2B5EF4-FFF2-40B4-BE49-F238E27FC236}">
-                <a16:creationId xmlns:a16="http://schemas.microsoft.com/office/drawing/2014/main" id="{2BEEF104-85C2-89FD-6CE9-B758223B2D3D}"/>
+                <a16:creationId xmlns:a16="http://schemas.microsoft.com/office/drawing/2014/main" id="{F6B96379-057B-035C-AB59-17E8B699FAB2}"/>
               </a:ext>
             </a:extLst>
           </p:cNvPr>
@@ -9230,8 +9959,8 @@
         </p:blipFill>
         <p:spPr>
           <a:xfrm>
-            <a:off x="301240" y="2047181"/>
-            <a:ext cx="2025000" cy="1620000"/>
+            <a:off x="301240" y="2247206"/>
+            <a:ext cx="1800000" cy="1440000"/>
           </a:xfrm>
           <a:prstGeom prst="rect">
             <a:avLst/>
@@ -9240,10 +9969,10 @@
       </p:pic>
       <p:pic>
         <p:nvPicPr>
-          <p:cNvPr id="9" name="Picture 8" descr="A graph of a number of objects&#10;&#10;AI-generated content may be incorrect.">
+          <p:cNvPr id="30" name="Picture 29" descr="A graph of a number of objects&#10;&#10;AI-generated content may be incorrect.">
             <a:extLst>
               <a:ext uri="{FF2B5EF4-FFF2-40B4-BE49-F238E27FC236}">
-                <a16:creationId xmlns:a16="http://schemas.microsoft.com/office/drawing/2014/main" id="{468EE523-E28E-4E88-0590-CD9A8CFF5A7A}"/>
+                <a16:creationId xmlns:a16="http://schemas.microsoft.com/office/drawing/2014/main" id="{E3A069D3-5ADE-776C-A3D6-E0163A5DF65A}"/>
               </a:ext>
             </a:extLst>
           </p:cNvPr>
@@ -9266,8 +9995,8 @@
         </p:blipFill>
         <p:spPr>
           <a:xfrm>
-            <a:off x="2295035" y="2047181"/>
-            <a:ext cx="2025000" cy="1620000"/>
+            <a:off x="2456960" y="2247206"/>
+            <a:ext cx="1800000" cy="1440000"/>
           </a:xfrm>
           <a:prstGeom prst="rect">
             <a:avLst/>
@@ -9276,10 +10005,10 @@
       </p:pic>
       <p:sp>
         <p:nvSpPr>
-          <p:cNvPr id="24" name="Rectangle 23">
+          <p:cNvPr id="42" name="Rectangle 41">
             <a:extLst>
               <a:ext uri="{FF2B5EF4-FFF2-40B4-BE49-F238E27FC236}">
-                <a16:creationId xmlns:a16="http://schemas.microsoft.com/office/drawing/2014/main" id="{7CA80247-944D-A79D-DD75-278A2FC157C4}"/>
+                <a16:creationId xmlns:a16="http://schemas.microsoft.com/office/drawing/2014/main" id="{2F5B885A-C345-270A-F20E-1AA23A903308}"/>
               </a:ext>
             </a:extLst>
           </p:cNvPr>
@@ -9320,7 +10049,7 @@
           <a:lstStyle/>
           <a:p>
             <a:r>
-              <a:rPr lang="en-GB" sz="1333" b="1" dirty="0">
+              <a:rPr lang="en-GB" sz="1200" b="1" dirty="0">
                 <a:solidFill>
                   <a:schemeClr val="tx1">
                     <a:lumMod val="75000"/>
@@ -9330,12 +10059,12 @@
                 <a:latin typeface="Calibri" panose="020F0502020204030204" pitchFamily="34" charset="0"/>
                 <a:cs typeface="Calibri" panose="020F0502020204030204" pitchFamily="34" charset="0"/>
               </a:rPr>
-              <a:t>Optuna hyperparameter importance</a:t>
+              <a:t>Optuna’s hyperparameter tuning – Hyperparameter importance</a:t>
             </a:r>
           </a:p>
           <a:p>
             <a:r>
-              <a:rPr lang="en-GB" sz="1111" dirty="0">
+              <a:rPr lang="en-GB" sz="1000" dirty="0">
                 <a:solidFill>
                   <a:schemeClr val="tx1">
                     <a:lumMod val="75000"/>
@@ -9345,17 +10074,76 @@
                 <a:latin typeface="Calibri Light" panose="020F0302020204030204" pitchFamily="34" charset="0"/>
                 <a:cs typeface="Calibri Light" panose="020F0302020204030204" pitchFamily="34" charset="0"/>
               </a:rPr>
-              <a:t>Gradient Boosting - CatBoost</a:t>
+              <a:t>Evaluated over the </a:t>
             </a:r>
+            <a:r>
+              <a:rPr lang="en-GB" sz="1000" b="1" dirty="0">
+                <a:solidFill>
+                  <a:srgbClr val="FF0066"/>
+                </a:solidFill>
+                <a:latin typeface="Calibri" panose="020F0502020204030204" pitchFamily="34" charset="0"/>
+                <a:cs typeface="Calibri" panose="020F0502020204030204" pitchFamily="34" charset="0"/>
+              </a:rPr>
+              <a:t>inner training </a:t>
+            </a:r>
+            <a:r>
+              <a:rPr lang="en-GB" sz="1000" dirty="0">
+                <a:solidFill>
+                  <a:schemeClr val="tx1">
+                    <a:lumMod val="75000"/>
+                    <a:lumOff val="25000"/>
+                  </a:schemeClr>
+                </a:solidFill>
+                <a:latin typeface="Calibri Light" panose="020F0302020204030204" pitchFamily="34" charset="0"/>
+                <a:cs typeface="Calibri Light" panose="020F0302020204030204" pitchFamily="34" charset="0"/>
+              </a:rPr>
+              <a:t>datasets for </a:t>
+            </a:r>
+            <a:r>
+              <a:rPr lang="en-GB" sz="1000" u="sng" dirty="0">
+                <a:solidFill>
+                  <a:schemeClr val="tx1">
+                    <a:lumMod val="75000"/>
+                    <a:lumOff val="25000"/>
+                  </a:schemeClr>
+                </a:solidFill>
+                <a:latin typeface="Calibri Light" panose="020F0302020204030204" pitchFamily="34" charset="0"/>
+                <a:cs typeface="Calibri Light" panose="020F0302020204030204" pitchFamily="34" charset="0"/>
+              </a:rPr>
+              <a:t>Gradient Boosting </a:t>
+            </a:r>
+            <a:r>
+              <a:rPr lang="en-GB" sz="1000" u="sng">
+                <a:solidFill>
+                  <a:schemeClr val="tx1">
+                    <a:lumMod val="75000"/>
+                    <a:lumOff val="25000"/>
+                  </a:schemeClr>
+                </a:solidFill>
+                <a:latin typeface="Calibri Light" panose="020F0302020204030204" pitchFamily="34" charset="0"/>
+                <a:cs typeface="Calibri Light" panose="020F0302020204030204" pitchFamily="34" charset="0"/>
+              </a:rPr>
+              <a:t>- Catboost</a:t>
+            </a:r>
+            <a:endParaRPr lang="en-GB" sz="1000" u="sng" dirty="0">
+              <a:solidFill>
+                <a:schemeClr val="tx1">
+                  <a:lumMod val="75000"/>
+                  <a:lumOff val="25000"/>
+                </a:schemeClr>
+              </a:solidFill>
+              <a:latin typeface="Calibri Light" panose="020F0302020204030204" pitchFamily="34" charset="0"/>
+              <a:cs typeface="Calibri Light" panose="020F0302020204030204" pitchFamily="34" charset="0"/>
+            </a:endParaRPr>
           </a:p>
         </p:txBody>
       </p:sp>
       <p:sp>
         <p:nvSpPr>
-          <p:cNvPr id="25" name="Rectangle 24">
+          <p:cNvPr id="43" name="Rectangle 42">
             <a:extLst>
               <a:ext uri="{FF2B5EF4-FFF2-40B4-BE49-F238E27FC236}">
-                <a16:creationId xmlns:a16="http://schemas.microsoft.com/office/drawing/2014/main" id="{11D0BEA8-4C97-735F-B454-B20FE6FD6664}"/>
+                <a16:creationId xmlns:a16="http://schemas.microsoft.com/office/drawing/2014/main" id="{8F5F0DFA-1AFB-5FEF-6ABD-DC6BDFC51B54}"/>
               </a:ext>
             </a:extLst>
           </p:cNvPr>
@@ -9364,8 +10152,8 @@
         </p:nvSpPr>
         <p:spPr>
           <a:xfrm>
-            <a:off x="-65904" y="560685"/>
-            <a:ext cx="360000" cy="1285103"/>
+            <a:off x="-65904" y="1019257"/>
+            <a:ext cx="360000" cy="1167935"/>
           </a:xfrm>
           <a:prstGeom prst="rect">
             <a:avLst/>
@@ -9440,10 +10228,10 @@
       </p:sp>
       <p:sp>
         <p:nvSpPr>
-          <p:cNvPr id="26" name="Rectangle 25">
+          <p:cNvPr id="44" name="Rectangle 43">
             <a:extLst>
               <a:ext uri="{FF2B5EF4-FFF2-40B4-BE49-F238E27FC236}">
-                <a16:creationId xmlns:a16="http://schemas.microsoft.com/office/drawing/2014/main" id="{C958D7B8-BC29-7508-F405-77D6128B8AFF}"/>
+                <a16:creationId xmlns:a16="http://schemas.microsoft.com/office/drawing/2014/main" id="{13455798-58E5-A3DE-9371-C9F5DFA69D31}"/>
               </a:ext>
             </a:extLst>
           </p:cNvPr>
@@ -9452,8 +10240,8 @@
         </p:nvSpPr>
         <p:spPr>
           <a:xfrm>
-            <a:off x="-65904" y="2069288"/>
-            <a:ext cx="360000" cy="1345818"/>
+            <a:off x="-65904" y="2299485"/>
+            <a:ext cx="360000" cy="1167935"/>
           </a:xfrm>
           <a:prstGeom prst="rect">
             <a:avLst/>
@@ -9528,10 +10316,10 @@
       </p:sp>
       <p:sp>
         <p:nvSpPr>
-          <p:cNvPr id="31" name="Rectangle 30">
+          <p:cNvPr id="45" name="Rectangle 44">
             <a:extLst>
               <a:ext uri="{FF2B5EF4-FFF2-40B4-BE49-F238E27FC236}">
-                <a16:creationId xmlns:a16="http://schemas.microsoft.com/office/drawing/2014/main" id="{204795FA-B9E8-F8C0-D0CC-0DA8FCD26B47}"/>
+                <a16:creationId xmlns:a16="http://schemas.microsoft.com/office/drawing/2014/main" id="{C822A771-7CA0-F566-95A6-EA3DB1DF1587}"/>
               </a:ext>
             </a:extLst>
           </p:cNvPr>
@@ -9540,8 +10328,8 @@
         </p:nvSpPr>
         <p:spPr>
           <a:xfrm>
-            <a:off x="840259" y="353649"/>
-            <a:ext cx="1421770" cy="180000"/>
+            <a:off x="787179" y="830711"/>
+            <a:ext cx="1237375" cy="180000"/>
           </a:xfrm>
           <a:prstGeom prst="rect">
             <a:avLst/>
@@ -9600,10 +10388,10 @@
       </p:sp>
       <p:sp>
         <p:nvSpPr>
-          <p:cNvPr id="32" name="Rectangle 31">
+          <p:cNvPr id="46" name="Rectangle 45">
             <a:extLst>
               <a:ext uri="{FF2B5EF4-FFF2-40B4-BE49-F238E27FC236}">
-                <a16:creationId xmlns:a16="http://schemas.microsoft.com/office/drawing/2014/main" id="{AEF58A4C-D7E5-1DB7-8CBA-638A2D2BAD88}"/>
+                <a16:creationId xmlns:a16="http://schemas.microsoft.com/office/drawing/2014/main" id="{0A838BE3-B713-DDFB-CD2C-49644DE673CD}"/>
               </a:ext>
             </a:extLst>
           </p:cNvPr>
@@ -9612,8 +10400,8 @@
         </p:nvSpPr>
         <p:spPr>
           <a:xfrm>
-            <a:off x="2832306" y="355747"/>
-            <a:ext cx="1421771" cy="180000"/>
+            <a:off x="2882347" y="825794"/>
+            <a:ext cx="1302629" cy="177902"/>
           </a:xfrm>
           <a:prstGeom prst="rect">
             <a:avLst/>
@@ -9666,6 +10454,538 @@
               </a:solidFill>
               <a:latin typeface="Calibri" panose="020F0502020204030204" pitchFamily="34" charset="0"/>
               <a:cs typeface="Calibri" panose="020F0502020204030204" pitchFamily="34" charset="0"/>
+            </a:endParaRPr>
+          </a:p>
+        </p:txBody>
+      </p:sp>
+      <p:sp>
+        <p:nvSpPr>
+          <p:cNvPr id="47" name="Rectangle 46">
+            <a:extLst>
+              <a:ext uri="{FF2B5EF4-FFF2-40B4-BE49-F238E27FC236}">
+                <a16:creationId xmlns:a16="http://schemas.microsoft.com/office/drawing/2014/main" id="{54017177-BE4B-0FAD-3095-8F81469BE093}"/>
+              </a:ext>
+            </a:extLst>
+          </p:cNvPr>
+          <p:cNvSpPr/>
+          <p:nvPr/>
+        </p:nvSpPr>
+        <p:spPr>
+          <a:xfrm>
+            <a:off x="1600897" y="535468"/>
+            <a:ext cx="493980" cy="255919"/>
+          </a:xfrm>
+          <a:prstGeom prst="rect">
+            <a:avLst/>
+          </a:prstGeom>
+          <a:noFill/>
+          <a:ln w="3175">
+            <a:noFill/>
+          </a:ln>
+        </p:spPr>
+        <p:style>
+          <a:lnRef idx="2">
+            <a:schemeClr val="accent1">
+              <a:shade val="15000"/>
+            </a:schemeClr>
+          </a:lnRef>
+          <a:fillRef idx="1">
+            <a:schemeClr val="accent1"/>
+          </a:fillRef>
+          <a:effectRef idx="0">
+            <a:schemeClr val="accent1"/>
+          </a:effectRef>
+          <a:fontRef idx="minor">
+            <a:schemeClr val="lt1"/>
+          </a:fontRef>
+        </p:style>
+        <p:txBody>
+          <a:bodyPr rtlCol="0" anchor="ctr"/>
+          <a:lstStyle/>
+          <a:p>
+            <a:pPr algn="ctr"/>
+            <a:r>
+              <a:rPr lang="en-US" sz="800" dirty="0">
+                <a:solidFill>
+                  <a:schemeClr val="tx1">
+                    <a:lumMod val="75000"/>
+                    <a:lumOff val="25000"/>
+                  </a:schemeClr>
+                </a:solidFill>
+                <a:latin typeface="Calibri Light" panose="020F0302020204030204" pitchFamily="34" charset="0"/>
+                <a:cs typeface="Calibri Light" panose="020F0302020204030204" pitchFamily="34" charset="0"/>
+              </a:rPr>
+              <a:t>mean</a:t>
+            </a:r>
+            <a:endParaRPr lang="en-GB" sz="800" dirty="0">
+              <a:solidFill>
+                <a:schemeClr val="tx1">
+                  <a:lumMod val="75000"/>
+                  <a:lumOff val="25000"/>
+                </a:schemeClr>
+              </a:solidFill>
+              <a:latin typeface="Calibri Light" panose="020F0302020204030204" pitchFamily="34" charset="0"/>
+              <a:cs typeface="Calibri Light" panose="020F0302020204030204" pitchFamily="34" charset="0"/>
+            </a:endParaRPr>
+          </a:p>
+        </p:txBody>
+      </p:sp>
+      <p:sp>
+        <p:nvSpPr>
+          <p:cNvPr id="48" name="Rectangle 47">
+            <a:extLst>
+              <a:ext uri="{FF2B5EF4-FFF2-40B4-BE49-F238E27FC236}">
+                <a16:creationId xmlns:a16="http://schemas.microsoft.com/office/drawing/2014/main" id="{DC975A8E-7469-1DEA-3441-85EE26627C93}"/>
+              </a:ext>
+            </a:extLst>
+          </p:cNvPr>
+          <p:cNvSpPr/>
+          <p:nvPr/>
+        </p:nvSpPr>
+        <p:spPr>
+          <a:xfrm>
+            <a:off x="2357575" y="562591"/>
+            <a:ext cx="1003153" cy="185815"/>
+          </a:xfrm>
+          <a:prstGeom prst="rect">
+            <a:avLst/>
+          </a:prstGeom>
+          <a:noFill/>
+          <a:ln w="3175">
+            <a:noFill/>
+          </a:ln>
+        </p:spPr>
+        <p:style>
+          <a:lnRef idx="2">
+            <a:schemeClr val="accent1">
+              <a:shade val="15000"/>
+            </a:schemeClr>
+          </a:lnRef>
+          <a:fillRef idx="1">
+            <a:schemeClr val="accent1"/>
+          </a:fillRef>
+          <a:effectRef idx="0">
+            <a:schemeClr val="accent1"/>
+          </a:effectRef>
+          <a:fontRef idx="minor">
+            <a:schemeClr val="lt1"/>
+          </a:fontRef>
+        </p:style>
+        <p:txBody>
+          <a:bodyPr rtlCol="0" anchor="ctr"/>
+          <a:lstStyle/>
+          <a:p>
+            <a:pPr algn="ctr"/>
+            <a:r>
+              <a:rPr lang="en-US" sz="800" dirty="0">
+                <a:solidFill>
+                  <a:schemeClr val="tx1">
+                    <a:lumMod val="75000"/>
+                    <a:lumOff val="25000"/>
+                  </a:schemeClr>
+                </a:solidFill>
+                <a:latin typeface="Calibri Light" panose="020F0302020204030204" pitchFamily="34" charset="0"/>
+                <a:cs typeface="Calibri Light" panose="020F0302020204030204" pitchFamily="34" charset="0"/>
+              </a:rPr>
+              <a:t>over Optuna’s trials</a:t>
+            </a:r>
+            <a:endParaRPr lang="en-GB" sz="800" dirty="0">
+              <a:solidFill>
+                <a:schemeClr val="tx1">
+                  <a:lumMod val="75000"/>
+                  <a:lumOff val="25000"/>
+                </a:schemeClr>
+              </a:solidFill>
+              <a:latin typeface="Calibri Light" panose="020F0302020204030204" pitchFamily="34" charset="0"/>
+              <a:cs typeface="Calibri Light" panose="020F0302020204030204" pitchFamily="34" charset="0"/>
+            </a:endParaRPr>
+          </a:p>
+        </p:txBody>
+      </p:sp>
+      <p:sp>
+        <p:nvSpPr>
+          <p:cNvPr id="49" name="Rectangle 48">
+            <a:extLst>
+              <a:ext uri="{FF2B5EF4-FFF2-40B4-BE49-F238E27FC236}">
+                <a16:creationId xmlns:a16="http://schemas.microsoft.com/office/drawing/2014/main" id="{4C385EBD-7E9B-B862-59F8-2D7FC2F46AA6}"/>
+              </a:ext>
+            </a:extLst>
+          </p:cNvPr>
+          <p:cNvSpPr/>
+          <p:nvPr/>
+        </p:nvSpPr>
+        <p:spPr>
+          <a:xfrm>
+            <a:off x="1206191" y="411277"/>
+            <a:ext cx="2083938" cy="328339"/>
+          </a:xfrm>
+          <a:prstGeom prst="rect">
+            <a:avLst/>
+          </a:prstGeom>
+          <a:noFill/>
+          <a:ln w="3175">
+            <a:solidFill>
+              <a:schemeClr val="bg1">
+                <a:lumMod val="85000"/>
+              </a:schemeClr>
+            </a:solidFill>
+          </a:ln>
+        </p:spPr>
+        <p:style>
+          <a:lnRef idx="2">
+            <a:schemeClr val="accent1">
+              <a:shade val="15000"/>
+            </a:schemeClr>
+          </a:lnRef>
+          <a:fillRef idx="1">
+            <a:schemeClr val="accent1"/>
+          </a:fillRef>
+          <a:effectRef idx="0">
+            <a:schemeClr val="accent1"/>
+          </a:effectRef>
+          <a:fontRef idx="minor">
+            <a:schemeClr val="lt1"/>
+          </a:fontRef>
+        </p:style>
+        <p:txBody>
+          <a:bodyPr rtlCol="0" anchor="ctr"/>
+          <a:lstStyle/>
+          <a:p>
+            <a:pPr algn="ctr"/>
+            <a:endParaRPr lang="en-GB"/>
+          </a:p>
+        </p:txBody>
+      </p:sp>
+      <p:sp>
+        <p:nvSpPr>
+          <p:cNvPr id="50" name="Rectangle 49">
+            <a:extLst>
+              <a:ext uri="{FF2B5EF4-FFF2-40B4-BE49-F238E27FC236}">
+                <a16:creationId xmlns:a16="http://schemas.microsoft.com/office/drawing/2014/main" id="{DD921147-6EFB-DBAF-5772-5BE2C52994BE}"/>
+              </a:ext>
+            </a:extLst>
+          </p:cNvPr>
+          <p:cNvSpPr/>
+          <p:nvPr/>
+        </p:nvSpPr>
+        <p:spPr>
+          <a:xfrm>
+            <a:off x="1252206" y="464603"/>
+            <a:ext cx="589841" cy="136427"/>
+          </a:xfrm>
+          <a:prstGeom prst="rect">
+            <a:avLst/>
+          </a:prstGeom>
+          <a:solidFill>
+            <a:srgbClr val="FF0066"/>
+          </a:solidFill>
+          <a:ln>
+            <a:noFill/>
+          </a:ln>
+        </p:spPr>
+        <p:style>
+          <a:lnRef idx="2">
+            <a:schemeClr val="accent1">
+              <a:shade val="15000"/>
+            </a:schemeClr>
+          </a:lnRef>
+          <a:fillRef idx="1">
+            <a:schemeClr val="accent1"/>
+          </a:fillRef>
+          <a:effectRef idx="0">
+            <a:schemeClr val="accent1"/>
+          </a:effectRef>
+          <a:fontRef idx="minor">
+            <a:schemeClr val="lt1"/>
+          </a:fontRef>
+        </p:style>
+        <p:txBody>
+          <a:bodyPr rtlCol="0" anchor="ctr"/>
+          <a:lstStyle/>
+          <a:p>
+            <a:pPr algn="ctr"/>
+            <a:endParaRPr lang="en-GB"/>
+          </a:p>
+        </p:txBody>
+      </p:sp>
+      <p:cxnSp>
+        <p:nvCxnSpPr>
+          <p:cNvPr id="51" name="Straight Connector 50">
+            <a:extLst>
+              <a:ext uri="{FF2B5EF4-FFF2-40B4-BE49-F238E27FC236}">
+                <a16:creationId xmlns:a16="http://schemas.microsoft.com/office/drawing/2014/main" id="{09A2CBF7-1864-6326-9F78-0D63D27E2656}"/>
+              </a:ext>
+            </a:extLst>
+          </p:cNvPr>
+          <p:cNvCxnSpPr>
+            <a:cxnSpLocks/>
+          </p:cNvCxnSpPr>
+          <p:nvPr/>
+        </p:nvCxnSpPr>
+        <p:spPr>
+          <a:xfrm>
+            <a:off x="1528257" y="532816"/>
+            <a:ext cx="720000" cy="0"/>
+          </a:xfrm>
+          <a:prstGeom prst="line">
+            <a:avLst/>
+          </a:prstGeom>
+          <a:ln w="12700">
+            <a:solidFill>
+              <a:schemeClr val="tx1">
+                <a:lumMod val="75000"/>
+                <a:lumOff val="25000"/>
+              </a:schemeClr>
+            </a:solidFill>
+          </a:ln>
+        </p:spPr>
+        <p:style>
+          <a:lnRef idx="2">
+            <a:schemeClr val="accent1"/>
+          </a:lnRef>
+          <a:fillRef idx="0">
+            <a:schemeClr val="accent1"/>
+          </a:fillRef>
+          <a:effectRef idx="1">
+            <a:schemeClr val="accent1"/>
+          </a:effectRef>
+          <a:fontRef idx="minor">
+            <a:schemeClr val="tx1"/>
+          </a:fontRef>
+        </p:style>
+      </p:cxnSp>
+      <p:cxnSp>
+        <p:nvCxnSpPr>
+          <p:cNvPr id="52" name="Straight Connector 51">
+            <a:extLst>
+              <a:ext uri="{FF2B5EF4-FFF2-40B4-BE49-F238E27FC236}">
+                <a16:creationId xmlns:a16="http://schemas.microsoft.com/office/drawing/2014/main" id="{3923188B-6A1A-4DB4-AE53-FB5F51F7A805}"/>
+              </a:ext>
+            </a:extLst>
+          </p:cNvPr>
+          <p:cNvCxnSpPr>
+            <a:cxnSpLocks/>
+          </p:cNvCxnSpPr>
+          <p:nvPr/>
+        </p:nvCxnSpPr>
+        <p:spPr>
+          <a:xfrm rot="5400000">
+            <a:off x="2212633" y="532816"/>
+            <a:ext cx="90000" cy="0"/>
+          </a:xfrm>
+          <a:prstGeom prst="line">
+            <a:avLst/>
+          </a:prstGeom>
+          <a:ln w="12700">
+            <a:solidFill>
+              <a:schemeClr val="tx1">
+                <a:lumMod val="75000"/>
+                <a:lumOff val="25000"/>
+              </a:schemeClr>
+            </a:solidFill>
+          </a:ln>
+        </p:spPr>
+        <p:style>
+          <a:lnRef idx="2">
+            <a:schemeClr val="accent1"/>
+          </a:lnRef>
+          <a:fillRef idx="0">
+            <a:schemeClr val="accent1"/>
+          </a:fillRef>
+          <a:effectRef idx="1">
+            <a:schemeClr val="accent1"/>
+          </a:effectRef>
+          <a:fontRef idx="minor">
+            <a:schemeClr val="tx1"/>
+          </a:fontRef>
+        </p:style>
+      </p:cxnSp>
+      <p:cxnSp>
+        <p:nvCxnSpPr>
+          <p:cNvPr id="53" name="Straight Connector 52">
+            <a:extLst>
+              <a:ext uri="{FF2B5EF4-FFF2-40B4-BE49-F238E27FC236}">
+                <a16:creationId xmlns:a16="http://schemas.microsoft.com/office/drawing/2014/main" id="{FBCBB9B5-1E55-37EA-28AB-616B0C7DB846}"/>
+              </a:ext>
+            </a:extLst>
+          </p:cNvPr>
+          <p:cNvCxnSpPr>
+            <a:cxnSpLocks/>
+          </p:cNvCxnSpPr>
+          <p:nvPr/>
+        </p:nvCxnSpPr>
+        <p:spPr>
+          <a:xfrm rot="5400000">
+            <a:off x="1483257" y="532816"/>
+            <a:ext cx="90000" cy="0"/>
+          </a:xfrm>
+          <a:prstGeom prst="line">
+            <a:avLst/>
+          </a:prstGeom>
+          <a:ln w="12700">
+            <a:solidFill>
+              <a:schemeClr val="tx1">
+                <a:lumMod val="75000"/>
+                <a:lumOff val="25000"/>
+              </a:schemeClr>
+            </a:solidFill>
+          </a:ln>
+        </p:spPr>
+        <p:style>
+          <a:lnRef idx="2">
+            <a:schemeClr val="accent1"/>
+          </a:lnRef>
+          <a:fillRef idx="0">
+            <a:schemeClr val="accent1"/>
+          </a:fillRef>
+          <a:effectRef idx="1">
+            <a:schemeClr val="accent1"/>
+          </a:effectRef>
+          <a:fontRef idx="minor">
+            <a:schemeClr val="tx1"/>
+          </a:fontRef>
+        </p:style>
+      </p:cxnSp>
+      <p:sp>
+        <p:nvSpPr>
+          <p:cNvPr id="54" name="Rectangle 53">
+            <a:extLst>
+              <a:ext uri="{FF2B5EF4-FFF2-40B4-BE49-F238E27FC236}">
+                <a16:creationId xmlns:a16="http://schemas.microsoft.com/office/drawing/2014/main" id="{C0BCA4EB-3A05-1514-86E4-5712F4FA6ACA}"/>
+              </a:ext>
+            </a:extLst>
+          </p:cNvPr>
+          <p:cNvSpPr/>
+          <p:nvPr/>
+        </p:nvSpPr>
+        <p:spPr>
+          <a:xfrm>
+            <a:off x="1281075" y="535468"/>
+            <a:ext cx="493980" cy="255919"/>
+          </a:xfrm>
+          <a:prstGeom prst="rect">
+            <a:avLst/>
+          </a:prstGeom>
+          <a:noFill/>
+          <a:ln w="3175">
+            <a:noFill/>
+          </a:ln>
+        </p:spPr>
+        <p:style>
+          <a:lnRef idx="2">
+            <a:schemeClr val="accent1">
+              <a:shade val="15000"/>
+            </a:schemeClr>
+          </a:lnRef>
+          <a:fillRef idx="1">
+            <a:schemeClr val="accent1"/>
+          </a:fillRef>
+          <a:effectRef idx="0">
+            <a:schemeClr val="accent1"/>
+          </a:effectRef>
+          <a:fontRef idx="minor">
+            <a:schemeClr val="lt1"/>
+          </a:fontRef>
+        </p:style>
+        <p:txBody>
+          <a:bodyPr rtlCol="0" anchor="ctr"/>
+          <a:lstStyle/>
+          <a:p>
+            <a:pPr algn="ctr"/>
+            <a:r>
+              <a:rPr lang="en-US" sz="800" dirty="0">
+                <a:solidFill>
+                  <a:schemeClr val="tx1">
+                    <a:lumMod val="75000"/>
+                    <a:lumOff val="25000"/>
+                  </a:schemeClr>
+                </a:solidFill>
+                <a:latin typeface="Calibri Light" panose="020F0302020204030204" pitchFamily="34" charset="0"/>
+                <a:cs typeface="Calibri Light" panose="020F0302020204030204" pitchFamily="34" charset="0"/>
+              </a:rPr>
+              <a:t>min</a:t>
+            </a:r>
+            <a:endParaRPr lang="en-GB" sz="800" dirty="0">
+              <a:solidFill>
+                <a:schemeClr val="tx1">
+                  <a:lumMod val="75000"/>
+                  <a:lumOff val="25000"/>
+                </a:schemeClr>
+              </a:solidFill>
+              <a:latin typeface="Calibri Light" panose="020F0302020204030204" pitchFamily="34" charset="0"/>
+              <a:cs typeface="Calibri Light" panose="020F0302020204030204" pitchFamily="34" charset="0"/>
+            </a:endParaRPr>
+          </a:p>
+        </p:txBody>
+      </p:sp>
+      <p:sp>
+        <p:nvSpPr>
+          <p:cNvPr id="55" name="Rectangle 54">
+            <a:extLst>
+              <a:ext uri="{FF2B5EF4-FFF2-40B4-BE49-F238E27FC236}">
+                <a16:creationId xmlns:a16="http://schemas.microsoft.com/office/drawing/2014/main" id="{FB36605C-8BF7-4E03-A518-DF093FBEAB4F}"/>
+              </a:ext>
+            </a:extLst>
+          </p:cNvPr>
+          <p:cNvSpPr/>
+          <p:nvPr/>
+        </p:nvSpPr>
+        <p:spPr>
+          <a:xfrm>
+            <a:off x="2010205" y="535468"/>
+            <a:ext cx="493980" cy="255919"/>
+          </a:xfrm>
+          <a:prstGeom prst="rect">
+            <a:avLst/>
+          </a:prstGeom>
+          <a:noFill/>
+          <a:ln w="3175">
+            <a:noFill/>
+          </a:ln>
+        </p:spPr>
+        <p:style>
+          <a:lnRef idx="2">
+            <a:schemeClr val="accent1">
+              <a:shade val="15000"/>
+            </a:schemeClr>
+          </a:lnRef>
+          <a:fillRef idx="1">
+            <a:schemeClr val="accent1"/>
+          </a:fillRef>
+          <a:effectRef idx="0">
+            <a:schemeClr val="accent1"/>
+          </a:effectRef>
+          <a:fontRef idx="minor">
+            <a:schemeClr val="lt1"/>
+          </a:fontRef>
+        </p:style>
+        <p:txBody>
+          <a:bodyPr rtlCol="0" anchor="ctr"/>
+          <a:lstStyle/>
+          <a:p>
+            <a:pPr algn="ctr"/>
+            <a:r>
+              <a:rPr lang="en-US" sz="800" dirty="0">
+                <a:solidFill>
+                  <a:schemeClr val="tx1">
+                    <a:lumMod val="75000"/>
+                    <a:lumOff val="25000"/>
+                  </a:schemeClr>
+                </a:solidFill>
+                <a:latin typeface="Calibri Light" panose="020F0302020204030204" pitchFamily="34" charset="0"/>
+                <a:cs typeface="Calibri Light" panose="020F0302020204030204" pitchFamily="34" charset="0"/>
+              </a:rPr>
+              <a:t>max</a:t>
+            </a:r>
+            <a:endParaRPr lang="en-GB" sz="800" dirty="0">
+              <a:solidFill>
+                <a:schemeClr val="tx1">
+                  <a:lumMod val="75000"/>
+                  <a:lumOff val="25000"/>
+                </a:schemeClr>
+              </a:solidFill>
+              <a:latin typeface="Calibri Light" panose="020F0302020204030204" pitchFamily="34" charset="0"/>
+              <a:cs typeface="Calibri Light" panose="020F0302020204030204" pitchFamily="34" charset="0"/>
             </a:endParaRPr>
           </a:p>
         </p:txBody>
